--- a/slides.pptx
+++ b/slides.pptx
@@ -14660,13 +14660,13 @@
       </p:par>
     </p:tnLst>
     <p:bldLst>
+      <p:bldP build="whole" bldLvl="1" animBg="1" rev="0" advAuto="0" spid="185" grpId="4"/>
       <p:bldP build="whole" bldLvl="1" animBg="1" rev="0" advAuto="0" spid="182" grpId="2"/>
+      <p:bldP build="whole" bldLvl="1" animBg="1" rev="0" advAuto="0" spid="183" grpId="1"/>
+      <p:bldP build="whole" bldLvl="1" animBg="1" rev="0" advAuto="0" spid="188" grpId="7"/>
       <p:bldP build="whole" bldLvl="1" animBg="1" rev="0" advAuto="0" spid="187" grpId="6"/>
       <p:bldP build="whole" bldLvl="1" animBg="1" rev="0" advAuto="0" spid="186" grpId="5"/>
-      <p:bldP build="whole" bldLvl="1" animBg="1" rev="0" advAuto="0" spid="183" grpId="1"/>
-      <p:bldP build="whole" bldLvl="1" animBg="1" rev="0" advAuto="0" spid="185" grpId="4"/>
       <p:bldP build="whole" bldLvl="1" animBg="1" rev="0" advAuto="0" spid="184" grpId="3"/>
-      <p:bldP build="whole" bldLvl="1" animBg="1" rev="0" advAuto="0" spid="188" grpId="7"/>
     </p:bldLst>
   </p:timing>
 </p:sld>
@@ -15783,10 +15783,10 @@
       </p:par>
     </p:tnLst>
     <p:bldLst>
+      <p:bldP build="whole" bldLvl="1" animBg="1" rev="0" advAuto="0" spid="195" grpId="1"/>
       <p:bldP build="whole" bldLvl="1" animBg="1" rev="0" advAuto="0" spid="201" grpId="3"/>
+      <p:bldP build="whole" bldLvl="1" animBg="1" rev="0" advAuto="0" spid="202" grpId="4"/>
       <p:bldP build="whole" bldLvl="1" animBg="1" rev="0" advAuto="0" spid="196" grpId="2"/>
-      <p:bldP build="whole" bldLvl="1" animBg="1" rev="0" advAuto="0" spid="195" grpId="1"/>
-      <p:bldP build="whole" bldLvl="1" animBg="1" rev="0" advAuto="0" spid="202" grpId="4"/>
     </p:bldLst>
   </p:timing>
 </p:sld>
@@ -19027,14 +19027,14 @@
     </p:tnLst>
     <p:bldLst>
       <p:bldP build="whole" bldLvl="1" animBg="1" rev="0" advAuto="0" spid="215" grpId="5"/>
+      <p:bldP build="whole" bldLvl="1" animBg="1" rev="0" advAuto="0" spid="214" grpId="4"/>
+      <p:bldP build="whole" bldLvl="1" animBg="1" rev="0" advAuto="0" spid="216" grpId="6"/>
       <p:bldP build="whole" bldLvl="1" animBg="1" rev="0" advAuto="0" spid="218" grpId="8"/>
       <p:bldP build="whole" bldLvl="1" animBg="1" rev="0" advAuto="0" spid="212" grpId="2"/>
       <p:bldP build="whole" bldLvl="1" animBg="1" rev="0" advAuto="0" spid="206" grpId="1"/>
-      <p:bldP build="whole" bldLvl="1" animBg="1" rev="0" advAuto="0" spid="216" grpId="6"/>
+      <p:bldP build="whole" bldLvl="1" animBg="1" rev="0" advAuto="0" spid="219" grpId="9"/>
       <p:bldP build="whole" bldLvl="1" animBg="1" rev="0" advAuto="0" spid="217" grpId="7"/>
-      <p:bldP build="whole" bldLvl="1" animBg="1" rev="0" advAuto="0" spid="214" grpId="4"/>
       <p:bldP build="whole" bldLvl="1" animBg="1" rev="0" advAuto="0" spid="213" grpId="3"/>
-      <p:bldP build="whole" bldLvl="1" animBg="1" rev="0" advAuto="0" spid="219" grpId="9"/>
     </p:bldLst>
   </p:timing>
 </p:sld>
@@ -20074,7 +20074,7 @@
         <p:spPr>
           <a:xfrm>
             <a:off x="838200" y="365125"/>
-            <a:ext cx="10515600" cy="1325700"/>
+            <a:ext cx="10515600" cy="1325563"/>
           </a:xfrm>
           <a:prstGeom prst="rect">
             <a:avLst/>
@@ -20091,7 +20091,7 @@
             </a:pPr>
             <a:r>
               <a:rPr sz="1400"/>
-              <a:t>First and Foremost</a:t>
+              <a:t>The class</a:t>
             </a:r>
           </a:p>
         </p:txBody>
@@ -20107,7 +20107,7 @@
         <p:spPr>
           <a:xfrm>
             <a:off x="838200" y="1825625"/>
-            <a:ext cx="10515600" cy="4351200"/>
+            <a:ext cx="10515600" cy="4351338"/>
           </a:xfrm>
           <a:prstGeom prst="rect">
             <a:avLst/>
@@ -20120,117 +20120,129 @@
           <a:lstStyle/>
           <a:p>
             <a:pPr lvl="0" marL="381000" indent="-266700">
+              <a:lnSpc>
+                <a:spcPct val="150000"/>
+              </a:lnSpc>
               <a:spcBef>
-                <a:spcPts val="500"/>
+                <a:spcPts val="0"/>
               </a:spcBef>
-              <a:buFontTx/>
-              <a:buAutoNum type="arabicPeriod" startAt="1"/>
               <a:defRPr sz="1800"/>
             </a:pPr>
             <a:r>
               <a:rPr sz="1400"/>
-              <a:t>Workshop </a:t>
-            </a:r>
-            <a:r>
-              <a:rPr sz="1400" u="sng"/>
-              <a:t>is</a:t>
-            </a:r>
+              <a:t>Python</a:t>
+            </a:r>
+            <a:endParaRPr sz="1400"/>
+          </a:p>
+          <a:p>
+            <a:pPr lvl="1" marL="838200" indent="-266700">
+              <a:lnSpc>
+                <a:spcPct val="150000"/>
+              </a:lnSpc>
+              <a:spcBef>
+                <a:spcPts val="0"/>
+              </a:spcBef>
+              <a:defRPr sz="1800"/>
+            </a:pPr>
             <a:r>
               <a:rPr sz="1400"/>
-              <a:t> recorded (audio &amp; video)</a:t>
+              <a:t>Variables, control-flow, containers, I/O</a:t>
             </a:r>
             <a:endParaRPr sz="1400"/>
           </a:p>
           <a:p>
-            <a:pPr lvl="0" marL="0" indent="457200">
+            <a:pPr lvl="1" marL="838200" indent="-266700">
+              <a:lnSpc>
+                <a:spcPct val="150000"/>
+              </a:lnSpc>
               <a:spcBef>
-                <a:spcPts val="500"/>
+                <a:spcPts val="0"/>
               </a:spcBef>
-              <a:buSzTx/>
-              <a:buNone/>
-              <a:defRPr sz="1800"/>
-            </a:pPr>
+              <a:defRPr sz="1800"/>
+            </a:pPr>
+            <a:r>
+              <a:rPr sz="1400"/>
+              <a:t>Functions, iterables</a:t>
+            </a:r>
             <a:endParaRPr sz="1400"/>
           </a:p>
           <a:p>
+            <a:pPr lvl="1" marL="838200" indent="-266700">
+              <a:lnSpc>
+                <a:spcPct val="150000"/>
+              </a:lnSpc>
+              <a:spcBef>
+                <a:spcPts val="0"/>
+              </a:spcBef>
+              <a:defRPr sz="1800"/>
+            </a:pPr>
+            <a:r>
+              <a:rPr sz="1400"/>
+              <a:t>Classes and basic OOP</a:t>
+            </a:r>
+            <a:endParaRPr sz="1400"/>
+          </a:p>
+          <a:p>
+            <a:pPr lvl="1" marL="838200" indent="-266700">
+              <a:lnSpc>
+                <a:spcPct val="150000"/>
+              </a:lnSpc>
+              <a:spcBef>
+                <a:spcPts val="0"/>
+              </a:spcBef>
+              <a:defRPr sz="1800"/>
+            </a:pPr>
+            <a:r>
+              <a:rPr sz="1400"/>
+              <a:t>A little bit about modules</a:t>
+            </a:r>
+            <a:endParaRPr sz="1400"/>
+          </a:p>
+          <a:p>
             <a:pPr lvl="0" marL="381000" indent="-266700">
+              <a:lnSpc>
+                <a:spcPct val="150000"/>
+              </a:lnSpc>
               <a:spcBef>
-                <a:spcPts val="500"/>
+                <a:spcPts val="0"/>
               </a:spcBef>
-              <a:buFontTx/>
-              <a:buAutoNum type="arabicPeriod" startAt="1"/>
               <a:defRPr sz="1800"/>
             </a:pPr>
             <a:r>
               <a:rPr sz="1400"/>
-              <a:t>If you are OK, turn on your camera :-)</a:t>
+              <a:t>Numpy + Matplotlib</a:t>
             </a:r>
             <a:endParaRPr sz="1400"/>
           </a:p>
           <a:p>
-            <a:pPr lvl="0" marL="0" indent="457200">
+            <a:pPr lvl="0" marL="381000" indent="-266700">
+              <a:lnSpc>
+                <a:spcPct val="150000"/>
+              </a:lnSpc>
               <a:spcBef>
-                <a:spcPts val="500"/>
+                <a:spcPts val="0"/>
               </a:spcBef>
-              <a:buSzTx/>
-              <a:buNone/>
-              <a:defRPr sz="1800"/>
-            </a:pPr>
+              <a:defRPr sz="1800"/>
+            </a:pPr>
+            <a:r>
+              <a:rPr sz="1400"/>
+              <a:t>Pandas</a:t>
+            </a:r>
             <a:endParaRPr sz="1400"/>
           </a:p>
           <a:p>
             <a:pPr lvl="0" marL="381000" indent="-266700">
+              <a:lnSpc>
+                <a:spcPct val="150000"/>
+              </a:lnSpc>
               <a:spcBef>
-                <a:spcPts val="500"/>
+                <a:spcPts val="0"/>
               </a:spcBef>
-              <a:buFontTx/>
-              <a:buAutoNum type="arabicPeriod" startAt="1"/>
               <a:defRPr sz="1800"/>
             </a:pPr>
             <a:r>
               <a:rPr sz="1400"/>
-              <a:t>Ask questions in chat. </a:t>
-            </a:r>
-            <a:endParaRPr sz="1400"/>
-          </a:p>
-          <a:p>
-            <a:pPr lvl="0" marL="0" indent="457200">
-              <a:spcBef>
-                <a:spcPts val="500"/>
-              </a:spcBef>
-              <a:buSzTx/>
-              <a:buNone/>
-              <a:defRPr sz="1800"/>
-            </a:pPr>
-            <a:r>
-              <a:rPr sz="1400"/>
-              <a:t>Rui, our awesome TA, is answering.</a:t>
-            </a:r>
-            <a:endParaRPr sz="1400"/>
-          </a:p>
-          <a:p>
-            <a:pPr lvl="0" marL="0" indent="457200">
-              <a:spcBef>
-                <a:spcPts val="500"/>
-              </a:spcBef>
-              <a:buSzTx/>
-              <a:buNone/>
-              <a:defRPr sz="1800"/>
-            </a:pPr>
-            <a:endParaRPr sz="1400"/>
-          </a:p>
-          <a:p>
-            <a:pPr lvl="0" marL="381000" indent="-266700">
-              <a:spcBef>
-                <a:spcPts val="500"/>
-              </a:spcBef>
-              <a:buFontTx/>
-              <a:buAutoNum type="arabicPeriod" startAt="1"/>
-              <a:defRPr sz="1800"/>
-            </a:pPr>
-            <a:r>
-              <a:rPr sz="1400"/>
-              <a:t>Stay muted unless you are actively talking</a:t>
+              <a:t>Appendix: Scikit-learn</a:t>
             </a:r>
           </a:p>
         </p:txBody>
@@ -20262,6 +20274,758 @@
           </a:ln>
         </p:spPr>
       </p:pic>
+      <p:graphicFrame>
+        <p:nvGraphicFramePr>
+          <p:cNvPr id="78" name="Table 78"/>
+          <p:cNvGraphicFramePr/>
+          <p:nvPr/>
+        </p:nvGraphicFramePr>
+        <p:xfrm>
+          <a:off x="6125524" y="1757963"/>
+          <a:ext cx="4521402" cy="3589602"/>
+        </p:xfrm>
+        <a:graphic xmlns:a="http://schemas.openxmlformats.org/drawingml/2006/main">
+          <a:graphicData uri="http://schemas.openxmlformats.org/drawingml/2006/table">
+            <a:tbl>
+              <a:tblPr firstCol="0" firstRow="0" lastCol="0" lastRow="0" bandCol="0" bandRow="0" rtl="0">
+                <a:tableStyleId>{4C3C2611-4C71-4FC5-86AE-919BDF0F9419}</a:tableStyleId>
+              </a:tblPr>
+              <a:tblGrid>
+                <a:gridCol w="1507133"/>
+                <a:gridCol w="1507133"/>
+                <a:gridCol w="1507133"/>
+              </a:tblGrid>
+              <a:tr h="706635">
+                <a:tc>
+                  <a:txBody>
+                    <a:bodyPr/>
+                    <a:lstStyle/>
+                    <a:p>
+                      <a:pPr lvl="0" algn="ctr">
+                        <a:defRPr b="0" i="0" sz="1800"/>
+                      </a:pPr>
+                      <a:r>
+                        <a:rPr sz="1500">
+                          <a:sym typeface="Helvetica"/>
+                        </a:rPr>
+                        <a:t>Day 1 block A</a:t>
+                      </a:r>
+                    </a:p>
+                  </a:txBody>
+                  <a:tcPr marL="91425" marR="91425" marT="91425" marB="91425" anchor="ctr" anchorCtr="0" horzOverflow="overflow">
+                    <a:lnL>
+                      <a:solidFill>
+                        <a:srgbClr val="9E9E9E"/>
+                      </a:solidFill>
+                      <a:round/>
+                    </a:lnL>
+                    <a:lnR>
+                      <a:solidFill>
+                        <a:srgbClr val="9E9E9E"/>
+                      </a:solidFill>
+                      <a:round/>
+                    </a:lnR>
+                    <a:lnT>
+                      <a:solidFill>
+                        <a:srgbClr val="9E9E9E"/>
+                      </a:solidFill>
+                      <a:round/>
+                    </a:lnT>
+                    <a:lnB>
+                      <a:solidFill>
+                        <a:srgbClr val="9E9E9E"/>
+                      </a:solidFill>
+                      <a:round/>
+                    </a:lnB>
+                    <a:noFill/>
+                  </a:tcPr>
+                </a:tc>
+                <a:tc>
+                  <a:txBody>
+                    <a:bodyPr/>
+                    <a:lstStyle/>
+                    <a:p>
+                      <a:pPr lvl="0" algn="ctr">
+                        <a:defRPr b="0" i="0" sz="1800"/>
+                      </a:pPr>
+                      <a:r>
+                        <a:rPr sz="1333">
+                          <a:sym typeface="Helvetica"/>
+                        </a:rPr>
+                        <a:t>8:00-9:30</a:t>
+                      </a:r>
+                    </a:p>
+                  </a:txBody>
+                  <a:tcPr marL="91425" marR="91425" marT="91425" marB="91425" anchor="ctr" anchorCtr="0" horzOverflow="overflow">
+                    <a:lnL>
+                      <a:solidFill>
+                        <a:srgbClr val="9E9E9E"/>
+                      </a:solidFill>
+                      <a:round/>
+                    </a:lnL>
+                    <a:lnR>
+                      <a:solidFill>
+                        <a:srgbClr val="9E9E9E"/>
+                      </a:solidFill>
+                      <a:round/>
+                    </a:lnR>
+                    <a:lnT>
+                      <a:solidFill>
+                        <a:srgbClr val="9E9E9E"/>
+                      </a:solidFill>
+                      <a:round/>
+                    </a:lnT>
+                    <a:lnB>
+                      <a:solidFill>
+                        <a:srgbClr val="9E9E9E"/>
+                      </a:solidFill>
+                      <a:round/>
+                    </a:lnB>
+                    <a:noFill/>
+                  </a:tcPr>
+                </a:tc>
+                <a:tc rowSpan="3">
+                  <a:txBody>
+                    <a:bodyPr/>
+                    <a:lstStyle/>
+                    <a:p>
+                      <a:pPr lvl="0" algn="ctr">
+                        <a:defRPr b="0" i="0" sz="1800"/>
+                      </a:pPr>
+                      <a:r>
+                        <a:rPr sz="1500">
+                          <a:sym typeface="Helvetica"/>
+                        </a:rPr>
+                        <a:t>“</a:t>
+                      </a:r>
+                      <a:r>
+                        <a:rPr sz="1333">
+                          <a:sym typeface="Helvetica"/>
+                        </a:rPr>
+                        <a:t>Basic” Python</a:t>
+                      </a:r>
+                    </a:p>
+                  </a:txBody>
+                  <a:tcPr marL="91425" marR="91425" marT="91425" marB="91425" anchor="ctr" anchorCtr="0" horzOverflow="overflow">
+                    <a:lnL>
+                      <a:solidFill>
+                        <a:srgbClr val="9E9E9E"/>
+                      </a:solidFill>
+                      <a:round/>
+                    </a:lnL>
+                    <a:lnR>
+                      <a:solidFill>
+                        <a:srgbClr val="9E9E9E"/>
+                      </a:solidFill>
+                      <a:round/>
+                    </a:lnR>
+                    <a:lnT>
+                      <a:solidFill>
+                        <a:srgbClr val="9E9E9E"/>
+                      </a:solidFill>
+                      <a:round/>
+                    </a:lnT>
+                    <a:lnB>
+                      <a:solidFill>
+                        <a:srgbClr val="9E9E9E"/>
+                      </a:solidFill>
+                      <a:round/>
+                    </a:lnB>
+                    <a:noFill/>
+                  </a:tcPr>
+                </a:tc>
+              </a:tr>
+              <a:tr h="167509">
+                <a:tc>
+                  <a:txBody>
+                    <a:bodyPr/>
+                    <a:lstStyle/>
+                    <a:p>
+                      <a:pPr lvl="0" algn="ctr">
+                        <a:defRPr b="0" i="0" sz="1500">
+                          <a:sym typeface="Helvetica"/>
+                        </a:defRPr>
+                      </a:pPr>
+                    </a:p>
+                  </a:txBody>
+                  <a:tcPr marL="91425" marR="91425" marT="91425" marB="91425" anchor="ctr" anchorCtr="0" horzOverflow="overflow">
+                    <a:lnL>
+                      <a:solidFill>
+                        <a:srgbClr val="9E9E9E"/>
+                      </a:solidFill>
+                      <a:round/>
+                    </a:lnL>
+                    <a:lnR>
+                      <a:solidFill>
+                        <a:srgbClr val="9E9E9E"/>
+                      </a:solidFill>
+                      <a:round/>
+                    </a:lnR>
+                    <a:lnT>
+                      <a:solidFill>
+                        <a:srgbClr val="9E9E9E"/>
+                      </a:solidFill>
+                      <a:round/>
+                    </a:lnT>
+                    <a:lnB>
+                      <a:solidFill>
+                        <a:srgbClr val="9E9E9E"/>
+                      </a:solidFill>
+                      <a:round/>
+                    </a:lnB>
+                    <a:noFill/>
+                  </a:tcPr>
+                </a:tc>
+                <a:tc>
+                  <a:txBody>
+                    <a:bodyPr/>
+                    <a:lstStyle/>
+                    <a:p>
+                      <a:pPr lvl="0" algn="ctr">
+                        <a:defRPr b="0" i="0" sz="1800"/>
+                      </a:pPr>
+                      <a:r>
+                        <a:rPr sz="1500">
+                          <a:sym typeface="Helvetica"/>
+                        </a:rPr>
+                        <a:t/>
+                      </a:r>
+                    </a:p>
+                  </a:txBody>
+                  <a:tcPr marL="91425" marR="91425" marT="91425" marB="91425" anchor="ctr" anchorCtr="0" horzOverflow="overflow">
+                    <a:lnL>
+                      <a:solidFill>
+                        <a:srgbClr val="9E9E9E"/>
+                      </a:solidFill>
+                      <a:round/>
+                    </a:lnL>
+                    <a:lnR>
+                      <a:solidFill>
+                        <a:srgbClr val="9E9E9E"/>
+                      </a:solidFill>
+                      <a:round/>
+                    </a:lnR>
+                    <a:lnT>
+                      <a:solidFill>
+                        <a:srgbClr val="9E9E9E"/>
+                      </a:solidFill>
+                      <a:round/>
+                    </a:lnT>
+                    <a:lnB>
+                      <a:solidFill>
+                        <a:srgbClr val="9E9E9E"/>
+                      </a:solidFill>
+                      <a:round/>
+                    </a:lnB>
+                    <a:noFill/>
+                  </a:tcPr>
+                </a:tc>
+                <a:tc vMerge="1">
+                  <a:tcPr/>
+                </a:tc>
+              </a:tr>
+              <a:tr h="706635">
+                <a:tc>
+                  <a:txBody>
+                    <a:bodyPr/>
+                    <a:lstStyle/>
+                    <a:p>
+                      <a:pPr lvl="0" algn="ctr">
+                        <a:defRPr b="0" i="0" sz="1800"/>
+                      </a:pPr>
+                      <a:r>
+                        <a:rPr sz="1500">
+                          <a:sym typeface="Helvetica"/>
+                        </a:rPr>
+                        <a:t>Day 1 block B</a:t>
+                      </a:r>
+                    </a:p>
+                  </a:txBody>
+                  <a:tcPr marL="91425" marR="91425" marT="91425" marB="91425" anchor="ctr" anchorCtr="0" horzOverflow="overflow">
+                    <a:lnL>
+                      <a:solidFill>
+                        <a:srgbClr val="9E9E9E"/>
+                      </a:solidFill>
+                      <a:round/>
+                    </a:lnL>
+                    <a:lnR>
+                      <a:solidFill>
+                        <a:srgbClr val="9E9E9E"/>
+                      </a:solidFill>
+                      <a:round/>
+                    </a:lnR>
+                    <a:lnT>
+                      <a:solidFill>
+                        <a:srgbClr val="9E9E9E"/>
+                      </a:solidFill>
+                      <a:round/>
+                    </a:lnT>
+                    <a:lnB>
+                      <a:solidFill>
+                        <a:srgbClr val="9E9E9E"/>
+                      </a:solidFill>
+                      <a:round/>
+                    </a:lnB>
+                    <a:noFill/>
+                  </a:tcPr>
+                </a:tc>
+                <a:tc>
+                  <a:txBody>
+                    <a:bodyPr/>
+                    <a:lstStyle/>
+                    <a:p>
+                      <a:pPr lvl="0" algn="ctr">
+                        <a:defRPr b="0" i="0" sz="1800"/>
+                      </a:pPr>
+                      <a:r>
+                        <a:rPr sz="1333">
+                          <a:sym typeface="Helvetica"/>
+                        </a:rPr>
+                        <a:t>9:45-11:00</a:t>
+                      </a:r>
+                    </a:p>
+                  </a:txBody>
+                  <a:tcPr marL="91425" marR="91425" marT="91425" marB="91425" anchor="ctr" anchorCtr="0" horzOverflow="overflow">
+                    <a:lnL>
+                      <a:solidFill>
+                        <a:srgbClr val="9E9E9E"/>
+                      </a:solidFill>
+                      <a:round/>
+                    </a:lnL>
+                    <a:lnR>
+                      <a:solidFill>
+                        <a:srgbClr val="9E9E9E"/>
+                      </a:solidFill>
+                      <a:round/>
+                    </a:lnR>
+                    <a:lnT>
+                      <a:solidFill>
+                        <a:srgbClr val="9E9E9E"/>
+                      </a:solidFill>
+                      <a:round/>
+                    </a:lnT>
+                    <a:lnB>
+                      <a:solidFill>
+                        <a:srgbClr val="9E9E9E"/>
+                      </a:solidFill>
+                      <a:round/>
+                    </a:lnB>
+                    <a:noFill/>
+                  </a:tcPr>
+                </a:tc>
+                <a:tc vMerge="1">
+                  <a:tcPr/>
+                </a:tc>
+              </a:tr>
+              <a:tr h="133000">
+                <a:tc>
+                  <a:txBody>
+                    <a:bodyPr/>
+                    <a:lstStyle/>
+                    <a:p>
+                      <a:pPr lvl="0" algn="ctr">
+                        <a:defRPr b="0" i="0" sz="1500">
+                          <a:sym typeface="Helvetica"/>
+                        </a:defRPr>
+                      </a:pPr>
+                    </a:p>
+                  </a:txBody>
+                  <a:tcPr marL="91425" marR="91425" marT="91425" marB="91425" anchor="ctr" anchorCtr="0" horzOverflow="overflow">
+                    <a:lnL>
+                      <a:solidFill>
+                        <a:srgbClr val="9E9E9E"/>
+                      </a:solidFill>
+                      <a:round/>
+                    </a:lnL>
+                    <a:lnR>
+                      <a:solidFill>
+                        <a:srgbClr val="9E9E9E"/>
+                      </a:solidFill>
+                      <a:round/>
+                    </a:lnR>
+                    <a:lnT>
+                      <a:solidFill>
+                        <a:srgbClr val="9E9E9E"/>
+                      </a:solidFill>
+                      <a:round/>
+                    </a:lnT>
+                    <a:lnB>
+                      <a:solidFill>
+                        <a:srgbClr val="9E9E9E"/>
+                      </a:solidFill>
+                      <a:round/>
+                    </a:lnB>
+                    <a:noFill/>
+                  </a:tcPr>
+                </a:tc>
+                <a:tc gridSpan="2">
+                  <a:txBody>
+                    <a:bodyPr/>
+                    <a:lstStyle/>
+                    <a:p>
+                      <a:pPr lvl="0" algn="ctr">
+                        <a:defRPr b="0" i="0" sz="1800"/>
+                      </a:pPr>
+                      <a:r>
+                        <a:rPr sz="1500">
+                          <a:sym typeface="Helvetica"/>
+                        </a:rPr>
+                        <a:t/>
+                      </a:r>
+                    </a:p>
+                  </a:txBody>
+                  <a:tcPr marL="91425" marR="91425" marT="91425" marB="91425" anchor="ctr" anchorCtr="0" horzOverflow="overflow">
+                    <a:lnL>
+                      <a:solidFill>
+                        <a:srgbClr val="9E9E9E"/>
+                      </a:solidFill>
+                      <a:round/>
+                    </a:lnL>
+                    <a:lnR>
+                      <a:solidFill>
+                        <a:srgbClr val="9E9E9E"/>
+                      </a:solidFill>
+                      <a:round/>
+                    </a:lnR>
+                    <a:lnT>
+                      <a:solidFill>
+                        <a:srgbClr val="9E9E9E"/>
+                      </a:solidFill>
+                      <a:round/>
+                    </a:lnT>
+                    <a:lnB>
+                      <a:solidFill>
+                        <a:srgbClr val="9E9E9E"/>
+                      </a:solidFill>
+                      <a:round/>
+                    </a:lnB>
+                    <a:noFill/>
+                  </a:tcPr>
+                </a:tc>
+                <a:tc hMerge="1">
+                  <a:tcPr/>
+                </a:tc>
+              </a:tr>
+              <a:tr h="871408">
+                <a:tc>
+                  <a:txBody>
+                    <a:bodyPr/>
+                    <a:lstStyle/>
+                    <a:p>
+                      <a:pPr lvl="0" algn="ctr">
+                        <a:defRPr b="0" i="0" sz="1800"/>
+                      </a:pPr>
+                      <a:r>
+                        <a:rPr sz="1500">
+                          <a:sym typeface="Helvetica"/>
+                        </a:rPr>
+                        <a:t>Day 2 block A</a:t>
+                      </a:r>
+                    </a:p>
+                  </a:txBody>
+                  <a:tcPr marL="91425" marR="91425" marT="91425" marB="91425" anchor="ctr" anchorCtr="0" horzOverflow="overflow">
+                    <a:lnL>
+                      <a:solidFill>
+                        <a:srgbClr val="9E9E9E"/>
+                      </a:solidFill>
+                      <a:round/>
+                    </a:lnL>
+                    <a:lnR>
+                      <a:solidFill>
+                        <a:srgbClr val="9E9E9E"/>
+                      </a:solidFill>
+                      <a:round/>
+                    </a:lnR>
+                    <a:lnT>
+                      <a:solidFill>
+                        <a:srgbClr val="9E9E9E"/>
+                      </a:solidFill>
+                      <a:round/>
+                    </a:lnT>
+                    <a:lnB>
+                      <a:solidFill>
+                        <a:srgbClr val="9E9E9E"/>
+                      </a:solidFill>
+                      <a:round/>
+                    </a:lnB>
+                    <a:noFill/>
+                  </a:tcPr>
+                </a:tc>
+                <a:tc>
+                  <a:txBody>
+                    <a:bodyPr/>
+                    <a:lstStyle/>
+                    <a:p>
+                      <a:pPr lvl="0" algn="ctr">
+                        <a:defRPr b="0" i="0" sz="1800"/>
+                      </a:pPr>
+                      <a:r>
+                        <a:rPr sz="1333">
+                          <a:sym typeface="Helvetica"/>
+                        </a:rPr>
+                        <a:t>8:00-9:30</a:t>
+                      </a:r>
+                    </a:p>
+                  </a:txBody>
+                  <a:tcPr marL="91425" marR="91425" marT="91425" marB="91425" anchor="ctr" anchorCtr="0" horzOverflow="overflow">
+                    <a:lnL>
+                      <a:solidFill>
+                        <a:srgbClr val="9E9E9E"/>
+                      </a:solidFill>
+                      <a:round/>
+                    </a:lnL>
+                    <a:lnR>
+                      <a:solidFill>
+                        <a:srgbClr val="9E9E9E"/>
+                      </a:solidFill>
+                      <a:round/>
+                    </a:lnR>
+                    <a:lnT>
+                      <a:solidFill>
+                        <a:srgbClr val="9E9E9E"/>
+                      </a:solidFill>
+                      <a:round/>
+                    </a:lnT>
+                    <a:lnB>
+                      <a:solidFill>
+                        <a:srgbClr val="9E9E9E"/>
+                      </a:solidFill>
+                      <a:round/>
+                    </a:lnB>
+                    <a:noFill/>
+                  </a:tcPr>
+                </a:tc>
+                <a:tc rowSpan="3">
+                  <a:txBody>
+                    <a:bodyPr/>
+                    <a:lstStyle/>
+                    <a:p>
+                      <a:pPr lvl="0" algn="ctr">
+                        <a:defRPr b="0" i="0" sz="1800"/>
+                      </a:pPr>
+                      <a:r>
+                        <a:rPr sz="1500">
+                          <a:sym typeface="Helvetica"/>
+                        </a:rPr>
+                        <a:t>Numerical Python + Pandas</a:t>
+                      </a:r>
+                    </a:p>
+                  </a:txBody>
+                  <a:tcPr marL="91425" marR="91425" marT="91425" marB="91425" anchor="ctr" anchorCtr="0" horzOverflow="overflow">
+                    <a:lnL>
+                      <a:solidFill>
+                        <a:srgbClr val="9E9E9E"/>
+                      </a:solidFill>
+                      <a:round/>
+                    </a:lnL>
+                    <a:lnR>
+                      <a:solidFill>
+                        <a:srgbClr val="9E9E9E"/>
+                      </a:solidFill>
+                      <a:round/>
+                    </a:lnR>
+                    <a:lnT>
+                      <a:solidFill>
+                        <a:srgbClr val="9E9E9E"/>
+                      </a:solidFill>
+                      <a:round/>
+                    </a:lnT>
+                    <a:lnB>
+                      <a:solidFill>
+                        <a:srgbClr val="9E9E9E"/>
+                      </a:solidFill>
+                      <a:round/>
+                    </a:lnB>
+                    <a:noFill/>
+                  </a:tcPr>
+                </a:tc>
+              </a:tr>
+              <a:tr h="133000">
+                <a:tc>
+                  <a:txBody>
+                    <a:bodyPr/>
+                    <a:lstStyle/>
+                    <a:p>
+                      <a:pPr lvl="0" algn="ctr">
+                        <a:defRPr b="0" i="0" sz="1500">
+                          <a:sym typeface="Helvetica"/>
+                        </a:defRPr>
+                      </a:pPr>
+                    </a:p>
+                  </a:txBody>
+                  <a:tcPr marL="91425" marR="91425" marT="91425" marB="91425" anchor="ctr" anchorCtr="0" horzOverflow="overflow">
+                    <a:lnL>
+                      <a:solidFill>
+                        <a:srgbClr val="9E9E9E"/>
+                      </a:solidFill>
+                      <a:round/>
+                    </a:lnL>
+                    <a:lnR>
+                      <a:solidFill>
+                        <a:srgbClr val="9E9E9E"/>
+                      </a:solidFill>
+                      <a:round/>
+                    </a:lnR>
+                    <a:lnT>
+                      <a:solidFill>
+                        <a:srgbClr val="9E9E9E"/>
+                      </a:solidFill>
+                      <a:round/>
+                    </a:lnT>
+                    <a:lnB>
+                      <a:solidFill>
+                        <a:srgbClr val="9E9E9E"/>
+                      </a:solidFill>
+                      <a:round/>
+                    </a:lnB>
+                    <a:noFill/>
+                  </a:tcPr>
+                </a:tc>
+                <a:tc>
+                  <a:txBody>
+                    <a:bodyPr/>
+                    <a:lstStyle/>
+                    <a:p>
+                      <a:pPr lvl="0" algn="ctr">
+                        <a:defRPr b="0" i="0" sz="1800"/>
+                      </a:pPr>
+                      <a:r>
+                        <a:rPr sz="1500">
+                          <a:sym typeface="Helvetica"/>
+                        </a:rPr>
+                        <a:t/>
+                      </a:r>
+                    </a:p>
+                  </a:txBody>
+                  <a:tcPr marL="91425" marR="91425" marT="91425" marB="91425" anchor="ctr" anchorCtr="0" horzOverflow="overflow">
+                    <a:lnL>
+                      <a:solidFill>
+                        <a:srgbClr val="9E9E9E"/>
+                      </a:solidFill>
+                      <a:round/>
+                    </a:lnL>
+                    <a:lnR>
+                      <a:solidFill>
+                        <a:srgbClr val="9E9E9E"/>
+                      </a:solidFill>
+                      <a:round/>
+                    </a:lnR>
+                    <a:lnT>
+                      <a:solidFill>
+                        <a:srgbClr val="9E9E9E"/>
+                      </a:solidFill>
+                      <a:round/>
+                    </a:lnT>
+                    <a:lnB>
+                      <a:solidFill>
+                        <a:srgbClr val="9E9E9E"/>
+                      </a:solidFill>
+                      <a:round/>
+                    </a:lnB>
+                    <a:noFill/>
+                  </a:tcPr>
+                </a:tc>
+                <a:tc vMerge="1">
+                  <a:tcPr/>
+                </a:tc>
+              </a:tr>
+              <a:tr h="871408">
+                <a:tc>
+                  <a:txBody>
+                    <a:bodyPr/>
+                    <a:lstStyle/>
+                    <a:p>
+                      <a:pPr lvl="0" algn="ctr">
+                        <a:defRPr b="0" i="0" sz="1800"/>
+                      </a:pPr>
+                      <a:r>
+                        <a:rPr sz="1500">
+                          <a:sym typeface="Helvetica"/>
+                        </a:rPr>
+                        <a:t>Day 2 block B</a:t>
+                      </a:r>
+                    </a:p>
+                  </a:txBody>
+                  <a:tcPr marL="91425" marR="91425" marT="91425" marB="91425" anchor="ctr" anchorCtr="0" horzOverflow="overflow">
+                    <a:lnL>
+                      <a:solidFill>
+                        <a:srgbClr val="9E9E9E"/>
+                      </a:solidFill>
+                      <a:round/>
+                    </a:lnL>
+                    <a:lnR>
+                      <a:solidFill>
+                        <a:srgbClr val="9E9E9E"/>
+                      </a:solidFill>
+                      <a:round/>
+                    </a:lnR>
+                    <a:lnT>
+                      <a:solidFill>
+                        <a:srgbClr val="9E9E9E"/>
+                      </a:solidFill>
+                      <a:round/>
+                    </a:lnT>
+                    <a:lnB>
+                      <a:solidFill>
+                        <a:srgbClr val="9E9E9E"/>
+                      </a:solidFill>
+                      <a:round/>
+                    </a:lnB>
+                    <a:noFill/>
+                  </a:tcPr>
+                </a:tc>
+                <a:tc>
+                  <a:txBody>
+                    <a:bodyPr/>
+                    <a:lstStyle/>
+                    <a:p>
+                      <a:pPr lvl="0" algn="ctr">
+                        <a:defRPr b="0" i="0" sz="1800"/>
+                      </a:pPr>
+                      <a:r>
+                        <a:rPr sz="1333">
+                          <a:sym typeface="Helvetica"/>
+                        </a:rPr>
+                        <a:t>9:45-11:00</a:t>
+                      </a:r>
+                    </a:p>
+                  </a:txBody>
+                  <a:tcPr marL="91425" marR="91425" marT="91425" marB="91425" anchor="ctr" anchorCtr="0" horzOverflow="overflow">
+                    <a:lnL>
+                      <a:solidFill>
+                        <a:srgbClr val="9E9E9E"/>
+                      </a:solidFill>
+                      <a:round/>
+                    </a:lnL>
+                    <a:lnR>
+                      <a:solidFill>
+                        <a:srgbClr val="9E9E9E"/>
+                      </a:solidFill>
+                      <a:round/>
+                    </a:lnR>
+                    <a:lnT>
+                      <a:solidFill>
+                        <a:srgbClr val="9E9E9E"/>
+                      </a:solidFill>
+                      <a:round/>
+                    </a:lnT>
+                    <a:lnB>
+                      <a:solidFill>
+                        <a:srgbClr val="9E9E9E"/>
+                      </a:solidFill>
+                      <a:round/>
+                    </a:lnB>
+                    <a:noFill/>
+                  </a:tcPr>
+                </a:tc>
+                <a:tc vMerge="1">
+                  <a:tcPr/>
+                </a:tc>
+              </a:tr>
+            </a:tbl>
+          </a:graphicData>
+        </a:graphic>
+      </p:graphicFrame>
     </p:spTree>
   </p:cSld>
   <p:clrMapOvr>
@@ -23555,7 +24319,7 @@
       </p:grpSpPr>
       <p:sp>
         <p:nvSpPr>
-          <p:cNvPr id="79" name="Shape 79"/>
+          <p:cNvPr id="80" name="Shape 80"/>
           <p:cNvSpPr/>
           <p:nvPr>
             <p:ph type="title"/>
@@ -23581,14 +24345,14 @@
             </a:pPr>
             <a:r>
               <a:rPr sz="1400"/>
-              <a:t>Some questions for you first!</a:t>
+              <a:t>First and Foremost</a:t>
             </a:r>
           </a:p>
         </p:txBody>
       </p:sp>
       <p:sp>
         <p:nvSpPr>
-          <p:cNvPr id="80" name="Shape 80"/>
+          <p:cNvPr id="81" name="Shape 81"/>
           <p:cNvSpPr/>
           <p:nvPr>
             <p:ph type="body" idx="1"/>
@@ -23609,90 +24373,149 @@
           </a:bodyPr>
           <a:lstStyle/>
           <a:p>
-            <a:pPr lvl="1" marL="0" indent="0" defTabSz="859536">
-              <a:lnSpc>
-                <a:spcPct val="80000"/>
-              </a:lnSpc>
+            <a:pPr lvl="0" marL="381000" indent="-266700">
               <a:spcBef>
-                <a:spcPts val="400"/>
+                <a:spcPts val="500"/>
+              </a:spcBef>
+              <a:buFontTx/>
+              <a:buAutoNum type="arabicPeriod" startAt="1"/>
+              <a:defRPr sz="1800"/>
+            </a:pPr>
+            <a:r>
+              <a:rPr sz="1400"/>
+              <a:t>Workshop </a:t>
+            </a:r>
+            <a:r>
+              <a:rPr sz="1400" u="sng"/>
+              <a:t>is</a:t>
+            </a:r>
+            <a:r>
+              <a:rPr sz="1400"/>
+              <a:t> recorded (audio &amp; video)</a:t>
+            </a:r>
+            <a:endParaRPr sz="1400"/>
+          </a:p>
+          <a:p>
+            <a:pPr lvl="0" marL="0" indent="457200">
+              <a:spcBef>
+                <a:spcPts val="500"/>
               </a:spcBef>
               <a:buSzTx/>
               <a:buNone/>
               <a:defRPr sz="1800"/>
             </a:pPr>
-            <a:r>
-              <a:t>				</a:t>
-            </a:r>
-            <a:r>
-              <a:rPr sz="1700">
-                <a:latin typeface="Courier"/>
-                <a:ea typeface="Courier"/>
-                <a:cs typeface="Courier"/>
-                <a:sym typeface="Courier"/>
-              </a:rPr>
-              <a:t>pollev.com/andreassantucci359</a:t>
-            </a:r>
-            <a:endParaRPr sz="5600">
-              <a:latin typeface="Courier New"/>
-              <a:ea typeface="Courier New"/>
-              <a:cs typeface="Courier New"/>
-              <a:sym typeface="Courier New"/>
-            </a:endParaRPr>
-          </a:p>
-          <a:p>
-            <a:pPr lvl="0" marL="381000" indent="-266700">
-              <a:buChar char="-"/>
-              <a:defRPr sz="1800"/>
-            </a:pPr>
-            <a:r>
-              <a:rPr sz="1400"/>
-              <a:t>Mandatory to participate :-)</a:t>
-            </a:r>
             <a:endParaRPr sz="1400"/>
           </a:p>
           <a:p>
             <a:pPr lvl="0" marL="381000" indent="-266700">
               <a:spcBef>
-                <a:spcPts val="0"/>
+                <a:spcPts val="500"/>
               </a:spcBef>
-              <a:buChar char="-"/>
+              <a:buFontTx/>
+              <a:buAutoNum type="arabicPeriod" startAt="1"/>
               <a:defRPr sz="1800"/>
             </a:pPr>
             <a:r>
               <a:rPr sz="1400"/>
-              <a:t>Laptop or phone (keep the tab open for later)</a:t>
-            </a:r>
+              <a:t>If you are OK, turn on your camera :-)</a:t>
+            </a:r>
+            <a:endParaRPr sz="1400"/>
+          </a:p>
+          <a:p>
+            <a:pPr lvl="0" marL="0" indent="457200">
+              <a:spcBef>
+                <a:spcPts val="500"/>
+              </a:spcBef>
+              <a:buSzTx/>
+              <a:buNone/>
+              <a:defRPr sz="1800"/>
+            </a:pPr>
             <a:endParaRPr sz="1400"/>
           </a:p>
           <a:p>
             <a:pPr lvl="0" marL="381000" indent="-266700">
               <a:spcBef>
-                <a:spcPts val="0"/>
+                <a:spcPts val="500"/>
               </a:spcBef>
-              <a:buChar char="-"/>
+              <a:buFontTx/>
+              <a:buAutoNum type="arabicPeriod" startAt="1"/>
               <a:defRPr sz="1800"/>
             </a:pPr>
             <a:r>
               <a:rPr sz="1400"/>
-              <a:t>No account needed, anonymous</a:t>
-            </a:r>
+              <a:t>Ask questions in chat. </a:t>
+            </a:r>
+            <a:endParaRPr sz="1400"/>
+          </a:p>
+          <a:p>
+            <a:pPr lvl="0" marL="0" indent="457200">
+              <a:spcBef>
+                <a:spcPts val="500"/>
+              </a:spcBef>
+              <a:buSzTx/>
+              <a:buNone/>
+              <a:defRPr sz="1800"/>
+            </a:pPr>
+            <a:r>
+              <a:rPr sz="1400"/>
+              <a:t>Rui, our awesome TA, is answering.</a:t>
+            </a:r>
+            <a:endParaRPr sz="1400"/>
+          </a:p>
+          <a:p>
+            <a:pPr lvl="0" marL="0" indent="457200">
+              <a:spcBef>
+                <a:spcPts val="500"/>
+              </a:spcBef>
+              <a:buSzTx/>
+              <a:buNone/>
+              <a:defRPr sz="1800"/>
+            </a:pPr>
             <a:endParaRPr sz="1400"/>
           </a:p>
           <a:p>
             <a:pPr lvl="0" marL="381000" indent="-266700">
               <a:spcBef>
-                <a:spcPts val="0"/>
+                <a:spcPts val="500"/>
               </a:spcBef>
-              <a:buChar char="-"/>
+              <a:buFontTx/>
+              <a:buAutoNum type="arabicPeriod" startAt="1"/>
               <a:defRPr sz="1800"/>
             </a:pPr>
             <a:r>
               <a:rPr sz="1400"/>
-              <a:t>The more the better.</a:t>
+              <a:t>Stay muted unless you are actively talking</a:t>
             </a:r>
           </a:p>
         </p:txBody>
       </p:sp>
+      <p:pic>
+        <p:nvPicPr>
+          <p:cNvPr id="82" name="image7.png"/>
+          <p:cNvPicPr/>
+          <p:nvPr/>
+        </p:nvPicPr>
+        <p:blipFill>
+          <a:blip r:embed="rId2">
+            <a:extLst/>
+          </a:blip>
+          <a:stretch>
+            <a:fillRect/>
+          </a:stretch>
+        </p:blipFill>
+        <p:spPr>
+          <a:xfrm>
+            <a:off x="7614477" y="468217"/>
+            <a:ext cx="4018723" cy="1357408"/>
+          </a:xfrm>
+          <a:prstGeom prst="rect">
+            <a:avLst/>
+          </a:prstGeom>
+          <a:ln w="12700">
+            <a:miter lim="400000"/>
+          </a:ln>
+        </p:spPr>
+      </p:pic>
     </p:spTree>
   </p:cSld>
   <p:clrMapOvr>
@@ -24083,7 +24906,7 @@
       </p:grpSpPr>
       <p:sp>
         <p:nvSpPr>
-          <p:cNvPr id="82" name="Shape 82"/>
+          <p:cNvPr id="84" name="Shape 84"/>
           <p:cNvSpPr/>
           <p:nvPr>
             <p:ph type="title"/>
@@ -24109,14 +24932,14 @@
             </a:pPr>
             <a:r>
               <a:rPr sz="1400"/>
-              <a:t>Some info about me</a:t>
+              <a:t>Some questions for you first!</a:t>
             </a:r>
           </a:p>
         </p:txBody>
       </p:sp>
       <p:sp>
         <p:nvSpPr>
-          <p:cNvPr id="83" name="Shape 83"/>
+          <p:cNvPr id="85" name="Shape 85"/>
           <p:cNvSpPr/>
           <p:nvPr>
             <p:ph type="body" idx="1"/>
@@ -24137,59 +24960,86 @@
           </a:bodyPr>
           <a:lstStyle/>
           <a:p>
+            <a:pPr lvl="1" marL="0" indent="0" defTabSz="859536">
+              <a:lnSpc>
+                <a:spcPct val="80000"/>
+              </a:lnSpc>
+              <a:spcBef>
+                <a:spcPts val="400"/>
+              </a:spcBef>
+              <a:buSzTx/>
+              <a:buNone/>
+              <a:defRPr sz="1800"/>
+            </a:pPr>
+            <a:r>
+              <a:t>				</a:t>
+            </a:r>
+            <a:r>
+              <a:rPr sz="1700">
+                <a:latin typeface="Courier"/>
+                <a:ea typeface="Courier"/>
+                <a:cs typeface="Courier"/>
+                <a:sym typeface="Courier"/>
+              </a:rPr>
+              <a:t>pollev.com/andreassantucci359</a:t>
+            </a:r>
+            <a:endParaRPr sz="5600">
+              <a:latin typeface="Courier New"/>
+              <a:ea typeface="Courier New"/>
+              <a:cs typeface="Courier New"/>
+              <a:sym typeface="Courier New"/>
+            </a:endParaRPr>
+          </a:p>
+          <a:p>
             <a:pPr lvl="0" marL="381000" indent="-266700">
               <a:buChar char="-"/>
               <a:defRPr sz="1800"/>
             </a:pPr>
             <a:r>
               <a:rPr sz="1400"/>
-              <a:t>Data Scientist at Google, Lecturer at Stanford</a:t>
+              <a:t>Mandatory to participate :-)</a:t>
             </a:r>
             <a:endParaRPr sz="1400"/>
           </a:p>
           <a:p>
-            <a:pPr lvl="0" marL="0" indent="457200">
-              <a:buSzTx/>
-              <a:buNone/>
-              <a:defRPr sz="1800"/>
-            </a:pPr>
+            <a:pPr lvl="0" marL="381000" indent="-266700">
+              <a:spcBef>
+                <a:spcPts val="0"/>
+              </a:spcBef>
+              <a:buChar char="-"/>
+              <a:defRPr sz="1800"/>
+            </a:pPr>
+            <a:r>
+              <a:rPr sz="1400"/>
+              <a:t>Laptop or phone (keep the tab open for later)</a:t>
+            </a:r>
             <a:endParaRPr sz="1400"/>
           </a:p>
           <a:p>
             <a:pPr lvl="0" marL="381000" indent="-266700">
+              <a:spcBef>
+                <a:spcPts val="0"/>
+              </a:spcBef>
               <a:buChar char="-"/>
               <a:defRPr sz="1800"/>
             </a:pPr>
             <a:r>
               <a:rPr sz="1400"/>
-              <a:t>Interest in Machine Learning and Recommendation Systems</a:t>
+              <a:t>No account needed, anonymous</a:t>
             </a:r>
             <a:endParaRPr sz="1400"/>
           </a:p>
           <a:p>
-            <a:pPr lvl="0" marL="0" indent="457200">
-              <a:buSzTx/>
-              <a:buNone/>
-              <a:defRPr sz="1800"/>
-            </a:pPr>
-            <a:endParaRPr sz="1400"/>
-          </a:p>
-          <a:p>
             <a:pPr lvl="0" marL="381000" indent="-266700">
+              <a:spcBef>
+                <a:spcPts val="0"/>
+              </a:spcBef>
               <a:buChar char="-"/>
               <a:defRPr sz="1800"/>
             </a:pPr>
             <a:r>
               <a:rPr sz="1400"/>
-              <a:t>Learned to code </a:t>
-            </a:r>
-            <a:r>
-              <a:rPr i="1" sz="1400"/>
-              <a:t>after </a:t>
-            </a:r>
-            <a:r>
-              <a:rPr sz="1400"/>
-              <a:t>college!</a:t>
+              <a:t>The more the better.</a:t>
             </a:r>
           </a:p>
         </p:txBody>
@@ -24222,7 +25072,7 @@
       </p:grpSpPr>
       <p:sp>
         <p:nvSpPr>
-          <p:cNvPr id="85" name="Shape 85"/>
+          <p:cNvPr id="87" name="Shape 87"/>
           <p:cNvSpPr/>
           <p:nvPr>
             <p:ph type="title"/>
@@ -24231,7 +25081,7 @@
         <p:spPr>
           <a:xfrm>
             <a:off x="838200" y="365125"/>
-            <a:ext cx="10515600" cy="1325563"/>
+            <a:ext cx="10515600" cy="1325700"/>
           </a:xfrm>
           <a:prstGeom prst="rect">
             <a:avLst/>
@@ -24248,14 +25098,14 @@
             </a:pPr>
             <a:r>
               <a:rPr sz="1400"/>
-              <a:t>Python</a:t>
+              <a:t>Some info about me</a:t>
             </a:r>
           </a:p>
         </p:txBody>
       </p:sp>
       <p:sp>
         <p:nvSpPr>
-          <p:cNvPr id="86" name="Shape 86"/>
+          <p:cNvPr id="88" name="Shape 88"/>
           <p:cNvSpPr/>
           <p:nvPr>
             <p:ph type="body" idx="1"/>
@@ -24264,7 +25114,7 @@
         <p:spPr>
           <a:xfrm>
             <a:off x="838200" y="1825625"/>
-            <a:ext cx="10515600" cy="4351338"/>
+            <a:ext cx="10515600" cy="4351200"/>
           </a:xfrm>
           <a:prstGeom prst="rect">
             <a:avLst/>
@@ -24276,25 +25126,37 @@
           </a:bodyPr>
           <a:lstStyle/>
           <a:p>
-            <a:pPr lvl="0" marL="0" indent="0">
-              <a:spcBef>
-                <a:spcPts val="0"/>
-              </a:spcBef>
+            <a:pPr lvl="0" marL="381000" indent="-266700">
+              <a:buChar char="-"/>
+              <a:defRPr sz="1800"/>
+            </a:pPr>
+            <a:r>
+              <a:rPr sz="1400"/>
+              <a:t>Data Scientist at Google, Lecturer at Stanford</a:t>
+            </a:r>
+            <a:endParaRPr sz="1400"/>
+          </a:p>
+          <a:p>
+            <a:pPr lvl="0" marL="0" indent="457200">
               <a:buSzTx/>
               <a:buNone/>
               <a:defRPr sz="1800"/>
             </a:pPr>
+            <a:endParaRPr sz="1400"/>
+          </a:p>
+          <a:p>
+            <a:pPr lvl="0" marL="381000" indent="-266700">
+              <a:buChar char="-"/>
+              <a:defRPr sz="1800"/>
+            </a:pPr>
             <a:r>
               <a:rPr sz="1400"/>
-              <a:t>A very popular programming language</a:t>
+              <a:t>Interest in Machine Learning and Recommendation Systems</a:t>
             </a:r>
             <a:endParaRPr sz="1400"/>
           </a:p>
           <a:p>
-            <a:pPr lvl="0" marL="0" indent="0">
-              <a:spcBef>
-                <a:spcPts val="0"/>
-              </a:spcBef>
+            <a:pPr lvl="0" marL="0" indent="457200">
               <a:buSzTx/>
               <a:buNone/>
               <a:defRPr sz="1800"/>
@@ -24303,117 +25165,24 @@
           </a:p>
           <a:p>
             <a:pPr lvl="0" marL="381000" indent="-266700">
-              <a:spcBef>
-                <a:spcPts val="500"/>
-              </a:spcBef>
+              <a:buChar char="-"/>
               <a:defRPr sz="1800"/>
             </a:pPr>
             <a:r>
               <a:rPr sz="1400"/>
-              <a:t>Web applications</a:t>
-            </a:r>
-            <a:endParaRPr sz="1400"/>
-          </a:p>
-          <a:p>
-            <a:pPr lvl="0" marL="0" indent="457200">
-              <a:spcBef>
-                <a:spcPts val="500"/>
-              </a:spcBef>
-              <a:buSzTx/>
-              <a:buNone/>
-              <a:defRPr sz="1800"/>
-            </a:pPr>
-            <a:endParaRPr sz="1400"/>
-          </a:p>
-          <a:p>
-            <a:pPr lvl="0" marL="381000" indent="-266700">
-              <a:spcBef>
-                <a:spcPts val="500"/>
-              </a:spcBef>
-              <a:defRPr sz="1800"/>
-            </a:pPr>
+              <a:t>Learned to code </a:t>
+            </a:r>
+            <a:r>
+              <a:rPr i="1" sz="1400"/>
+              <a:t>after </a:t>
+            </a:r>
             <a:r>
               <a:rPr sz="1400"/>
-              <a:t>Scientific computing</a:t>
-            </a:r>
-            <a:endParaRPr sz="1400"/>
-          </a:p>
-          <a:p>
-            <a:pPr lvl="0" marL="0" indent="457200">
-              <a:spcBef>
-                <a:spcPts val="500"/>
-              </a:spcBef>
-              <a:buSzTx/>
-              <a:buNone/>
-              <a:defRPr sz="1800"/>
-            </a:pPr>
-            <a:endParaRPr sz="1400"/>
-          </a:p>
-          <a:p>
-            <a:pPr lvl="0" marL="381000" indent="-266700">
-              <a:spcBef>
-                <a:spcPts val="500"/>
-              </a:spcBef>
-              <a:defRPr sz="1800"/>
-            </a:pPr>
-            <a:r>
-              <a:rPr sz="1400"/>
-              <a:t>Data science and machine learning</a:t>
-            </a:r>
-            <a:endParaRPr sz="1400"/>
-          </a:p>
-          <a:p>
-            <a:pPr lvl="0" marL="0" indent="457200">
-              <a:spcBef>
-                <a:spcPts val="500"/>
-              </a:spcBef>
-              <a:buSzTx/>
-              <a:buNone/>
-              <a:defRPr sz="1800"/>
-            </a:pPr>
-            <a:endParaRPr sz="1400"/>
-          </a:p>
-          <a:p>
-            <a:pPr lvl="0" marL="381000" indent="-266700">
-              <a:spcBef>
-                <a:spcPts val="500"/>
-              </a:spcBef>
-              <a:defRPr sz="1800"/>
-            </a:pPr>
-            <a:r>
-              <a:rPr sz="1400"/>
-              <a:t>General purpose applications</a:t>
+              <a:t>college!</a:t>
             </a:r>
           </a:p>
         </p:txBody>
       </p:sp>
-      <p:pic>
-        <p:nvPicPr>
-          <p:cNvPr id="87" name="image7.png"/>
-          <p:cNvPicPr/>
-          <p:nvPr/>
-        </p:nvPicPr>
-        <p:blipFill>
-          <a:blip r:embed="rId2">
-            <a:extLst/>
-          </a:blip>
-          <a:stretch>
-            <a:fillRect/>
-          </a:stretch>
-        </p:blipFill>
-        <p:spPr>
-          <a:xfrm>
-            <a:off x="7614477" y="468217"/>
-            <a:ext cx="4018723" cy="1357408"/>
-          </a:xfrm>
-          <a:prstGeom prst="rect">
-            <a:avLst/>
-          </a:prstGeom>
-          <a:ln w="12700">
-            <a:miter lim="400000"/>
-          </a:ln>
-        </p:spPr>
-      </p:pic>
     </p:spTree>
   </p:cSld>
   <p:clrMapOvr>
@@ -24442,7 +25211,7 @@
       </p:grpSpPr>
       <p:sp>
         <p:nvSpPr>
-          <p:cNvPr id="89" name="Shape 89"/>
+          <p:cNvPr id="90" name="Shape 90"/>
           <p:cNvSpPr/>
           <p:nvPr>
             <p:ph type="title"/>
@@ -24470,19 +25239,146 @@
               <a:rPr sz="1400"/>
               <a:t>Python</a:t>
             </a:r>
-            <a:br>
+          </a:p>
+        </p:txBody>
+      </p:sp>
+      <p:sp>
+        <p:nvSpPr>
+          <p:cNvPr id="91" name="Shape 91"/>
+          <p:cNvSpPr/>
+          <p:nvPr>
+            <p:ph type="body" idx="1"/>
+          </p:nvPr>
+        </p:nvSpPr>
+        <p:spPr>
+          <a:xfrm>
+            <a:off x="838200" y="1825625"/>
+            <a:ext cx="10515600" cy="4351338"/>
+          </a:xfrm>
+          <a:prstGeom prst="rect">
+            <a:avLst/>
+          </a:prstGeom>
+        </p:spPr>
+        <p:txBody>
+          <a:bodyPr lIns="0" tIns="0" rIns="0" bIns="0">
+            <a:normAutofit fontScale="100000" lnSpcReduction="0"/>
+          </a:bodyPr>
+          <a:lstStyle/>
+          <a:p>
+            <a:pPr lvl="0" marL="0" indent="0">
+              <a:spcBef>
+                <a:spcPts val="0"/>
+              </a:spcBef>
+              <a:buSzTx/>
+              <a:buNone/>
+              <a:defRPr sz="1800"/>
+            </a:pPr>
+            <a:r>
               <a:rPr sz="1400"/>
-            </a:br>
-            <a:r>
-              <a:rPr sz="2000"/>
-              <a:t>www.tiobe.com</a:t>
+              <a:t>A very popular programming language</a:t>
+            </a:r>
+            <a:endParaRPr sz="1400"/>
+          </a:p>
+          <a:p>
+            <a:pPr lvl="0" marL="0" indent="0">
+              <a:spcBef>
+                <a:spcPts val="0"/>
+              </a:spcBef>
+              <a:buSzTx/>
+              <a:buNone/>
+              <a:defRPr sz="1800"/>
+            </a:pPr>
+            <a:endParaRPr sz="1400"/>
+          </a:p>
+          <a:p>
+            <a:pPr lvl="0" marL="381000" indent="-266700">
+              <a:spcBef>
+                <a:spcPts val="500"/>
+              </a:spcBef>
+              <a:defRPr sz="1800"/>
+            </a:pPr>
+            <a:r>
+              <a:rPr sz="1400"/>
+              <a:t>Web applications</a:t>
+            </a:r>
+            <a:endParaRPr sz="1400"/>
+          </a:p>
+          <a:p>
+            <a:pPr lvl="0" marL="0" indent="457200">
+              <a:spcBef>
+                <a:spcPts val="500"/>
+              </a:spcBef>
+              <a:buSzTx/>
+              <a:buNone/>
+              <a:defRPr sz="1800"/>
+            </a:pPr>
+            <a:endParaRPr sz="1400"/>
+          </a:p>
+          <a:p>
+            <a:pPr lvl="0" marL="381000" indent="-266700">
+              <a:spcBef>
+                <a:spcPts val="500"/>
+              </a:spcBef>
+              <a:defRPr sz="1800"/>
+            </a:pPr>
+            <a:r>
+              <a:rPr sz="1400"/>
+              <a:t>Scientific computing</a:t>
+            </a:r>
+            <a:endParaRPr sz="1400"/>
+          </a:p>
+          <a:p>
+            <a:pPr lvl="0" marL="0" indent="457200">
+              <a:spcBef>
+                <a:spcPts val="500"/>
+              </a:spcBef>
+              <a:buSzTx/>
+              <a:buNone/>
+              <a:defRPr sz="1800"/>
+            </a:pPr>
+            <a:endParaRPr sz="1400"/>
+          </a:p>
+          <a:p>
+            <a:pPr lvl="0" marL="381000" indent="-266700">
+              <a:spcBef>
+                <a:spcPts val="500"/>
+              </a:spcBef>
+              <a:defRPr sz="1800"/>
+            </a:pPr>
+            <a:r>
+              <a:rPr sz="1400"/>
+              <a:t>Data science and machine learning</a:t>
+            </a:r>
+            <a:endParaRPr sz="1400"/>
+          </a:p>
+          <a:p>
+            <a:pPr lvl="0" marL="0" indent="457200">
+              <a:spcBef>
+                <a:spcPts val="500"/>
+              </a:spcBef>
+              <a:buSzTx/>
+              <a:buNone/>
+              <a:defRPr sz="1800"/>
+            </a:pPr>
+            <a:endParaRPr sz="1400"/>
+          </a:p>
+          <a:p>
+            <a:pPr lvl="0" marL="381000" indent="-266700">
+              <a:spcBef>
+                <a:spcPts val="500"/>
+              </a:spcBef>
+              <a:defRPr sz="1800"/>
+            </a:pPr>
+            <a:r>
+              <a:rPr sz="1400"/>
+              <a:t>General purpose applications</a:t>
             </a:r>
           </a:p>
         </p:txBody>
       </p:sp>
       <p:pic>
         <p:nvPicPr>
-          <p:cNvPr id="90" name="image7.png"/>
+          <p:cNvPr id="92" name="image7.png"/>
           <p:cNvPicPr/>
           <p:nvPr/>
         </p:nvPicPr>
@@ -24498,33 +25394,6 @@
           <a:xfrm>
             <a:off x="7614477" y="468217"/>
             <a:ext cx="4018723" cy="1357408"/>
-          </a:xfrm>
-          <a:prstGeom prst="rect">
-            <a:avLst/>
-          </a:prstGeom>
-          <a:ln w="12700">
-            <a:miter lim="400000"/>
-          </a:ln>
-        </p:spPr>
-      </p:pic>
-      <p:pic>
-        <p:nvPicPr>
-          <p:cNvPr id="91" name="image11.png"/>
-          <p:cNvPicPr/>
-          <p:nvPr/>
-        </p:nvPicPr>
-        <p:blipFill>
-          <a:blip r:embed="rId3">
-            <a:extLst/>
-          </a:blip>
-          <a:stretch>
-            <a:fillRect/>
-          </a:stretch>
-        </p:blipFill>
-        <p:spPr>
-          <a:xfrm>
-            <a:off x="685650" y="1825625"/>
-            <a:ext cx="10820701" cy="4727575"/>
           </a:xfrm>
           <a:prstGeom prst="rect">
             <a:avLst/>
@@ -24562,7 +25431,7 @@
       </p:grpSpPr>
       <p:sp>
         <p:nvSpPr>
-          <p:cNvPr id="93" name="Shape 93"/>
+          <p:cNvPr id="94" name="Shape 94"/>
           <p:cNvSpPr/>
           <p:nvPr>
             <p:ph type="title"/>
@@ -24602,7 +25471,7 @@
       </p:sp>
       <p:pic>
         <p:nvPicPr>
-          <p:cNvPr id="94" name="image7.png"/>
+          <p:cNvPr id="95" name="image7.png"/>
           <p:cNvPicPr/>
           <p:nvPr/>
         </p:nvPicPr>
@@ -24629,7 +25498,7 @@
       </p:pic>
       <p:pic>
         <p:nvPicPr>
-          <p:cNvPr id="95" name="image12.png"/>
+          <p:cNvPr id="96" name="image11.png"/>
           <p:cNvPicPr/>
           <p:nvPr/>
         </p:nvPicPr>
@@ -24643,8 +25512,8 @@
         </p:blipFill>
         <p:spPr>
           <a:xfrm>
-            <a:off x="1124037" y="1825625"/>
-            <a:ext cx="9943936" cy="4727577"/>
+            <a:off x="685650" y="1825625"/>
+            <a:ext cx="10820701" cy="4727575"/>
           </a:xfrm>
           <a:prstGeom prst="rect">
             <a:avLst/>
@@ -24682,7 +25551,7 @@
       </p:grpSpPr>
       <p:sp>
         <p:nvSpPr>
-          <p:cNvPr id="97" name="Shape 97"/>
+          <p:cNvPr id="98" name="Shape 98"/>
           <p:cNvSpPr/>
           <p:nvPr>
             <p:ph type="title"/>
@@ -24708,158 +25577,14 @@
             </a:pPr>
             <a:r>
               <a:rPr sz="1400"/>
-              <a:t>The class</a:t>
-            </a:r>
-          </a:p>
-        </p:txBody>
-      </p:sp>
-      <p:sp>
-        <p:nvSpPr>
-          <p:cNvPr id="98" name="Shape 98"/>
-          <p:cNvSpPr/>
-          <p:nvPr>
-            <p:ph type="body" idx="1"/>
-          </p:nvPr>
-        </p:nvSpPr>
-        <p:spPr>
-          <a:xfrm>
-            <a:off x="838200" y="1825625"/>
-            <a:ext cx="10515600" cy="4351338"/>
-          </a:xfrm>
-          <a:prstGeom prst="rect">
-            <a:avLst/>
-          </a:prstGeom>
-        </p:spPr>
-        <p:txBody>
-          <a:bodyPr lIns="0" tIns="0" rIns="0" bIns="0">
-            <a:normAutofit fontScale="100000" lnSpcReduction="0"/>
-          </a:bodyPr>
-          <a:lstStyle/>
-          <a:p>
-            <a:pPr lvl="0" marL="381000" indent="-266700">
-              <a:lnSpc>
-                <a:spcPct val="150000"/>
-              </a:lnSpc>
-              <a:spcBef>
-                <a:spcPts val="0"/>
-              </a:spcBef>
-              <a:defRPr sz="1800"/>
-            </a:pPr>
-            <a:r>
+              <a:t>Python</a:t>
+            </a:r>
+            <a:br>
               <a:rPr sz="1400"/>
-              <a:t>Python</a:t>
-            </a:r>
-            <a:endParaRPr sz="1400"/>
-          </a:p>
-          <a:p>
-            <a:pPr lvl="1" marL="838200" indent="-266700">
-              <a:lnSpc>
-                <a:spcPct val="150000"/>
-              </a:lnSpc>
-              <a:spcBef>
-                <a:spcPts val="0"/>
-              </a:spcBef>
-              <a:defRPr sz="1800"/>
-            </a:pPr>
-            <a:r>
-              <a:rPr sz="1400"/>
-              <a:t>Variables, control-flow, containers, I/O</a:t>
-            </a:r>
-            <a:endParaRPr sz="1400"/>
-          </a:p>
-          <a:p>
-            <a:pPr lvl="1" marL="838200" indent="-266700">
-              <a:lnSpc>
-                <a:spcPct val="150000"/>
-              </a:lnSpc>
-              <a:spcBef>
-                <a:spcPts val="0"/>
-              </a:spcBef>
-              <a:defRPr sz="1800"/>
-            </a:pPr>
-            <a:r>
-              <a:rPr sz="1400"/>
-              <a:t>Functions, iterables</a:t>
-            </a:r>
-            <a:endParaRPr sz="1400"/>
-          </a:p>
-          <a:p>
-            <a:pPr lvl="1" marL="838200" indent="-266700">
-              <a:lnSpc>
-                <a:spcPct val="150000"/>
-              </a:lnSpc>
-              <a:spcBef>
-                <a:spcPts val="0"/>
-              </a:spcBef>
-              <a:defRPr sz="1800"/>
-            </a:pPr>
-            <a:r>
-              <a:rPr sz="1400"/>
-              <a:t>Classes and basic OOP</a:t>
-            </a:r>
-            <a:endParaRPr sz="1400"/>
-          </a:p>
-          <a:p>
-            <a:pPr lvl="1" marL="838200" indent="-266700">
-              <a:lnSpc>
-                <a:spcPct val="150000"/>
-              </a:lnSpc>
-              <a:spcBef>
-                <a:spcPts val="0"/>
-              </a:spcBef>
-              <a:defRPr sz="1800"/>
-            </a:pPr>
-            <a:r>
-              <a:rPr sz="1400"/>
-              <a:t>A little bit about modules</a:t>
-            </a:r>
-            <a:endParaRPr sz="1400"/>
-          </a:p>
-          <a:p>
-            <a:pPr lvl="0" marL="381000" indent="-266700">
-              <a:lnSpc>
-                <a:spcPct val="150000"/>
-              </a:lnSpc>
-              <a:spcBef>
-                <a:spcPts val="0"/>
-              </a:spcBef>
-              <a:defRPr sz="1800"/>
-            </a:pPr>
-            <a:r>
-              <a:rPr sz="1400"/>
-              <a:t>Numpy + Matplotlib</a:t>
-            </a:r>
-            <a:endParaRPr sz="1400"/>
-          </a:p>
-          <a:p>
-            <a:pPr lvl="0" marL="381000" indent="-266700">
-              <a:lnSpc>
-                <a:spcPct val="150000"/>
-              </a:lnSpc>
-              <a:spcBef>
-                <a:spcPts val="0"/>
-              </a:spcBef>
-              <a:defRPr sz="1800"/>
-            </a:pPr>
-            <a:r>
-              <a:rPr sz="1400"/>
-              <a:t>Pandas</a:t>
-            </a:r>
-            <a:endParaRPr sz="1400"/>
-          </a:p>
-          <a:p>
-            <a:pPr lvl="0" marL="381000" indent="-266700">
-              <a:lnSpc>
-                <a:spcPct val="150000"/>
-              </a:lnSpc>
-              <a:spcBef>
-                <a:spcPts val="0"/>
-              </a:spcBef>
-              <a:defRPr sz="1800"/>
-            </a:pPr>
-            <a:r>
-              <a:rPr sz="1400"/>
-              <a:t>Appendix: Scikit-learn</a:t>
+            </a:br>
+            <a:r>
+              <a:rPr sz="2000"/>
+              <a:t>www.tiobe.com</a:t>
             </a:r>
           </a:p>
         </p:txBody>
@@ -24891,758 +25616,33 @@
           </a:ln>
         </p:spPr>
       </p:pic>
-      <p:graphicFrame>
-        <p:nvGraphicFramePr>
-          <p:cNvPr id="100" name="Table 100"/>
-          <p:cNvGraphicFramePr/>
+      <p:pic>
+        <p:nvPicPr>
+          <p:cNvPr id="100" name="image12.png"/>
+          <p:cNvPicPr/>
           <p:nvPr/>
-        </p:nvGraphicFramePr>
-        <p:xfrm>
-          <a:off x="6125524" y="1757963"/>
-          <a:ext cx="4521402" cy="3589602"/>
-        </p:xfrm>
-        <a:graphic xmlns:a="http://schemas.openxmlformats.org/drawingml/2006/main">
-          <a:graphicData uri="http://schemas.openxmlformats.org/drawingml/2006/table">
-            <a:tbl>
-              <a:tblPr firstCol="0" firstRow="0" lastCol="0" lastRow="0" bandCol="0" bandRow="0" rtl="0">
-                <a:tableStyleId>{4C3C2611-4C71-4FC5-86AE-919BDF0F9419}</a:tableStyleId>
-              </a:tblPr>
-              <a:tblGrid>
-                <a:gridCol w="1507133"/>
-                <a:gridCol w="1507133"/>
-                <a:gridCol w="1507133"/>
-              </a:tblGrid>
-              <a:tr h="706635">
-                <a:tc>
-                  <a:txBody>
-                    <a:bodyPr/>
-                    <a:lstStyle/>
-                    <a:p>
-                      <a:pPr lvl="0" algn="ctr">
-                        <a:defRPr b="0" i="0" sz="1800"/>
-                      </a:pPr>
-                      <a:r>
-                        <a:rPr sz="1500">
-                          <a:sym typeface="Helvetica"/>
-                        </a:rPr>
-                        <a:t>Day 1 block A</a:t>
-                      </a:r>
-                    </a:p>
-                  </a:txBody>
-                  <a:tcPr marL="91425" marR="91425" marT="91425" marB="91425" anchor="ctr" anchorCtr="0" horzOverflow="overflow">
-                    <a:lnL>
-                      <a:solidFill>
-                        <a:srgbClr val="9E9E9E"/>
-                      </a:solidFill>
-                      <a:round/>
-                    </a:lnL>
-                    <a:lnR>
-                      <a:solidFill>
-                        <a:srgbClr val="9E9E9E"/>
-                      </a:solidFill>
-                      <a:round/>
-                    </a:lnR>
-                    <a:lnT>
-                      <a:solidFill>
-                        <a:srgbClr val="9E9E9E"/>
-                      </a:solidFill>
-                      <a:round/>
-                    </a:lnT>
-                    <a:lnB>
-                      <a:solidFill>
-                        <a:srgbClr val="9E9E9E"/>
-                      </a:solidFill>
-                      <a:round/>
-                    </a:lnB>
-                    <a:noFill/>
-                  </a:tcPr>
-                </a:tc>
-                <a:tc>
-                  <a:txBody>
-                    <a:bodyPr/>
-                    <a:lstStyle/>
-                    <a:p>
-                      <a:pPr lvl="0" algn="ctr">
-                        <a:defRPr b="0" i="0" sz="1800"/>
-                      </a:pPr>
-                      <a:r>
-                        <a:rPr sz="1333">
-                          <a:sym typeface="Helvetica"/>
-                        </a:rPr>
-                        <a:t>8:00-9:30</a:t>
-                      </a:r>
-                    </a:p>
-                  </a:txBody>
-                  <a:tcPr marL="91425" marR="91425" marT="91425" marB="91425" anchor="ctr" anchorCtr="0" horzOverflow="overflow">
-                    <a:lnL>
-                      <a:solidFill>
-                        <a:srgbClr val="9E9E9E"/>
-                      </a:solidFill>
-                      <a:round/>
-                    </a:lnL>
-                    <a:lnR>
-                      <a:solidFill>
-                        <a:srgbClr val="9E9E9E"/>
-                      </a:solidFill>
-                      <a:round/>
-                    </a:lnR>
-                    <a:lnT>
-                      <a:solidFill>
-                        <a:srgbClr val="9E9E9E"/>
-                      </a:solidFill>
-                      <a:round/>
-                    </a:lnT>
-                    <a:lnB>
-                      <a:solidFill>
-                        <a:srgbClr val="9E9E9E"/>
-                      </a:solidFill>
-                      <a:round/>
-                    </a:lnB>
-                    <a:noFill/>
-                  </a:tcPr>
-                </a:tc>
-                <a:tc rowSpan="3">
-                  <a:txBody>
-                    <a:bodyPr/>
-                    <a:lstStyle/>
-                    <a:p>
-                      <a:pPr lvl="0" algn="ctr">
-                        <a:defRPr b="0" i="0" sz="1800"/>
-                      </a:pPr>
-                      <a:r>
-                        <a:rPr sz="1500">
-                          <a:sym typeface="Helvetica"/>
-                        </a:rPr>
-                        <a:t>“</a:t>
-                      </a:r>
-                      <a:r>
-                        <a:rPr sz="1333">
-                          <a:sym typeface="Helvetica"/>
-                        </a:rPr>
-                        <a:t>Basic” Python</a:t>
-                      </a:r>
-                    </a:p>
-                  </a:txBody>
-                  <a:tcPr marL="91425" marR="91425" marT="91425" marB="91425" anchor="ctr" anchorCtr="0" horzOverflow="overflow">
-                    <a:lnL>
-                      <a:solidFill>
-                        <a:srgbClr val="9E9E9E"/>
-                      </a:solidFill>
-                      <a:round/>
-                    </a:lnL>
-                    <a:lnR>
-                      <a:solidFill>
-                        <a:srgbClr val="9E9E9E"/>
-                      </a:solidFill>
-                      <a:round/>
-                    </a:lnR>
-                    <a:lnT>
-                      <a:solidFill>
-                        <a:srgbClr val="9E9E9E"/>
-                      </a:solidFill>
-                      <a:round/>
-                    </a:lnT>
-                    <a:lnB>
-                      <a:solidFill>
-                        <a:srgbClr val="9E9E9E"/>
-                      </a:solidFill>
-                      <a:round/>
-                    </a:lnB>
-                    <a:noFill/>
-                  </a:tcPr>
-                </a:tc>
-              </a:tr>
-              <a:tr h="167509">
-                <a:tc>
-                  <a:txBody>
-                    <a:bodyPr/>
-                    <a:lstStyle/>
-                    <a:p>
-                      <a:pPr lvl="0" algn="ctr">
-                        <a:defRPr b="0" i="0" sz="1500">
-                          <a:sym typeface="Helvetica"/>
-                        </a:defRPr>
-                      </a:pPr>
-                    </a:p>
-                  </a:txBody>
-                  <a:tcPr marL="91425" marR="91425" marT="91425" marB="91425" anchor="ctr" anchorCtr="0" horzOverflow="overflow">
-                    <a:lnL>
-                      <a:solidFill>
-                        <a:srgbClr val="9E9E9E"/>
-                      </a:solidFill>
-                      <a:round/>
-                    </a:lnL>
-                    <a:lnR>
-                      <a:solidFill>
-                        <a:srgbClr val="9E9E9E"/>
-                      </a:solidFill>
-                      <a:round/>
-                    </a:lnR>
-                    <a:lnT>
-                      <a:solidFill>
-                        <a:srgbClr val="9E9E9E"/>
-                      </a:solidFill>
-                      <a:round/>
-                    </a:lnT>
-                    <a:lnB>
-                      <a:solidFill>
-                        <a:srgbClr val="9E9E9E"/>
-                      </a:solidFill>
-                      <a:round/>
-                    </a:lnB>
-                    <a:noFill/>
-                  </a:tcPr>
-                </a:tc>
-                <a:tc>
-                  <a:txBody>
-                    <a:bodyPr/>
-                    <a:lstStyle/>
-                    <a:p>
-                      <a:pPr lvl="0" algn="ctr">
-                        <a:defRPr b="0" i="0" sz="1800"/>
-                      </a:pPr>
-                      <a:r>
-                        <a:rPr sz="1500">
-                          <a:sym typeface="Helvetica"/>
-                        </a:rPr>
-                        <a:t/>
-                      </a:r>
-                    </a:p>
-                  </a:txBody>
-                  <a:tcPr marL="91425" marR="91425" marT="91425" marB="91425" anchor="ctr" anchorCtr="0" horzOverflow="overflow">
-                    <a:lnL>
-                      <a:solidFill>
-                        <a:srgbClr val="9E9E9E"/>
-                      </a:solidFill>
-                      <a:round/>
-                    </a:lnL>
-                    <a:lnR>
-                      <a:solidFill>
-                        <a:srgbClr val="9E9E9E"/>
-                      </a:solidFill>
-                      <a:round/>
-                    </a:lnR>
-                    <a:lnT>
-                      <a:solidFill>
-                        <a:srgbClr val="9E9E9E"/>
-                      </a:solidFill>
-                      <a:round/>
-                    </a:lnT>
-                    <a:lnB>
-                      <a:solidFill>
-                        <a:srgbClr val="9E9E9E"/>
-                      </a:solidFill>
-                      <a:round/>
-                    </a:lnB>
-                    <a:noFill/>
-                  </a:tcPr>
-                </a:tc>
-                <a:tc vMerge="1">
-                  <a:tcPr/>
-                </a:tc>
-              </a:tr>
-              <a:tr h="706635">
-                <a:tc>
-                  <a:txBody>
-                    <a:bodyPr/>
-                    <a:lstStyle/>
-                    <a:p>
-                      <a:pPr lvl="0" algn="ctr">
-                        <a:defRPr b="0" i="0" sz="1800"/>
-                      </a:pPr>
-                      <a:r>
-                        <a:rPr sz="1500">
-                          <a:sym typeface="Helvetica"/>
-                        </a:rPr>
-                        <a:t>Day 1 block B</a:t>
-                      </a:r>
-                    </a:p>
-                  </a:txBody>
-                  <a:tcPr marL="91425" marR="91425" marT="91425" marB="91425" anchor="ctr" anchorCtr="0" horzOverflow="overflow">
-                    <a:lnL>
-                      <a:solidFill>
-                        <a:srgbClr val="9E9E9E"/>
-                      </a:solidFill>
-                      <a:round/>
-                    </a:lnL>
-                    <a:lnR>
-                      <a:solidFill>
-                        <a:srgbClr val="9E9E9E"/>
-                      </a:solidFill>
-                      <a:round/>
-                    </a:lnR>
-                    <a:lnT>
-                      <a:solidFill>
-                        <a:srgbClr val="9E9E9E"/>
-                      </a:solidFill>
-                      <a:round/>
-                    </a:lnT>
-                    <a:lnB>
-                      <a:solidFill>
-                        <a:srgbClr val="9E9E9E"/>
-                      </a:solidFill>
-                      <a:round/>
-                    </a:lnB>
-                    <a:noFill/>
-                  </a:tcPr>
-                </a:tc>
-                <a:tc>
-                  <a:txBody>
-                    <a:bodyPr/>
-                    <a:lstStyle/>
-                    <a:p>
-                      <a:pPr lvl="0" algn="ctr">
-                        <a:defRPr b="0" i="0" sz="1800"/>
-                      </a:pPr>
-                      <a:r>
-                        <a:rPr sz="1333">
-                          <a:sym typeface="Helvetica"/>
-                        </a:rPr>
-                        <a:t>9:45-11:00</a:t>
-                      </a:r>
-                    </a:p>
-                  </a:txBody>
-                  <a:tcPr marL="91425" marR="91425" marT="91425" marB="91425" anchor="ctr" anchorCtr="0" horzOverflow="overflow">
-                    <a:lnL>
-                      <a:solidFill>
-                        <a:srgbClr val="9E9E9E"/>
-                      </a:solidFill>
-                      <a:round/>
-                    </a:lnL>
-                    <a:lnR>
-                      <a:solidFill>
-                        <a:srgbClr val="9E9E9E"/>
-                      </a:solidFill>
-                      <a:round/>
-                    </a:lnR>
-                    <a:lnT>
-                      <a:solidFill>
-                        <a:srgbClr val="9E9E9E"/>
-                      </a:solidFill>
-                      <a:round/>
-                    </a:lnT>
-                    <a:lnB>
-                      <a:solidFill>
-                        <a:srgbClr val="9E9E9E"/>
-                      </a:solidFill>
-                      <a:round/>
-                    </a:lnB>
-                    <a:noFill/>
-                  </a:tcPr>
-                </a:tc>
-                <a:tc vMerge="1">
-                  <a:tcPr/>
-                </a:tc>
-              </a:tr>
-              <a:tr h="133000">
-                <a:tc>
-                  <a:txBody>
-                    <a:bodyPr/>
-                    <a:lstStyle/>
-                    <a:p>
-                      <a:pPr lvl="0" algn="ctr">
-                        <a:defRPr b="0" i="0" sz="1500">
-                          <a:sym typeface="Helvetica"/>
-                        </a:defRPr>
-                      </a:pPr>
-                    </a:p>
-                  </a:txBody>
-                  <a:tcPr marL="91425" marR="91425" marT="91425" marB="91425" anchor="ctr" anchorCtr="0" horzOverflow="overflow">
-                    <a:lnL>
-                      <a:solidFill>
-                        <a:srgbClr val="9E9E9E"/>
-                      </a:solidFill>
-                      <a:round/>
-                    </a:lnL>
-                    <a:lnR>
-                      <a:solidFill>
-                        <a:srgbClr val="9E9E9E"/>
-                      </a:solidFill>
-                      <a:round/>
-                    </a:lnR>
-                    <a:lnT>
-                      <a:solidFill>
-                        <a:srgbClr val="9E9E9E"/>
-                      </a:solidFill>
-                      <a:round/>
-                    </a:lnT>
-                    <a:lnB>
-                      <a:solidFill>
-                        <a:srgbClr val="9E9E9E"/>
-                      </a:solidFill>
-                      <a:round/>
-                    </a:lnB>
-                    <a:noFill/>
-                  </a:tcPr>
-                </a:tc>
-                <a:tc gridSpan="2">
-                  <a:txBody>
-                    <a:bodyPr/>
-                    <a:lstStyle/>
-                    <a:p>
-                      <a:pPr lvl="0" algn="ctr">
-                        <a:defRPr b="0" i="0" sz="1800"/>
-                      </a:pPr>
-                      <a:r>
-                        <a:rPr sz="1500">
-                          <a:sym typeface="Helvetica"/>
-                        </a:rPr>
-                        <a:t/>
-                      </a:r>
-                    </a:p>
-                  </a:txBody>
-                  <a:tcPr marL="91425" marR="91425" marT="91425" marB="91425" anchor="ctr" anchorCtr="0" horzOverflow="overflow">
-                    <a:lnL>
-                      <a:solidFill>
-                        <a:srgbClr val="9E9E9E"/>
-                      </a:solidFill>
-                      <a:round/>
-                    </a:lnL>
-                    <a:lnR>
-                      <a:solidFill>
-                        <a:srgbClr val="9E9E9E"/>
-                      </a:solidFill>
-                      <a:round/>
-                    </a:lnR>
-                    <a:lnT>
-                      <a:solidFill>
-                        <a:srgbClr val="9E9E9E"/>
-                      </a:solidFill>
-                      <a:round/>
-                    </a:lnT>
-                    <a:lnB>
-                      <a:solidFill>
-                        <a:srgbClr val="9E9E9E"/>
-                      </a:solidFill>
-                      <a:round/>
-                    </a:lnB>
-                    <a:noFill/>
-                  </a:tcPr>
-                </a:tc>
-                <a:tc hMerge="1">
-                  <a:tcPr/>
-                </a:tc>
-              </a:tr>
-              <a:tr h="871408">
-                <a:tc>
-                  <a:txBody>
-                    <a:bodyPr/>
-                    <a:lstStyle/>
-                    <a:p>
-                      <a:pPr lvl="0" algn="ctr">
-                        <a:defRPr b="0" i="0" sz="1800"/>
-                      </a:pPr>
-                      <a:r>
-                        <a:rPr sz="1500">
-                          <a:sym typeface="Helvetica"/>
-                        </a:rPr>
-                        <a:t>Day 2 block A</a:t>
-                      </a:r>
-                    </a:p>
-                  </a:txBody>
-                  <a:tcPr marL="91425" marR="91425" marT="91425" marB="91425" anchor="ctr" anchorCtr="0" horzOverflow="overflow">
-                    <a:lnL>
-                      <a:solidFill>
-                        <a:srgbClr val="9E9E9E"/>
-                      </a:solidFill>
-                      <a:round/>
-                    </a:lnL>
-                    <a:lnR>
-                      <a:solidFill>
-                        <a:srgbClr val="9E9E9E"/>
-                      </a:solidFill>
-                      <a:round/>
-                    </a:lnR>
-                    <a:lnT>
-                      <a:solidFill>
-                        <a:srgbClr val="9E9E9E"/>
-                      </a:solidFill>
-                      <a:round/>
-                    </a:lnT>
-                    <a:lnB>
-                      <a:solidFill>
-                        <a:srgbClr val="9E9E9E"/>
-                      </a:solidFill>
-                      <a:round/>
-                    </a:lnB>
-                    <a:noFill/>
-                  </a:tcPr>
-                </a:tc>
-                <a:tc>
-                  <a:txBody>
-                    <a:bodyPr/>
-                    <a:lstStyle/>
-                    <a:p>
-                      <a:pPr lvl="0" algn="ctr">
-                        <a:defRPr b="0" i="0" sz="1800"/>
-                      </a:pPr>
-                      <a:r>
-                        <a:rPr sz="1333">
-                          <a:sym typeface="Helvetica"/>
-                        </a:rPr>
-                        <a:t>8:00-9:30</a:t>
-                      </a:r>
-                    </a:p>
-                  </a:txBody>
-                  <a:tcPr marL="91425" marR="91425" marT="91425" marB="91425" anchor="ctr" anchorCtr="0" horzOverflow="overflow">
-                    <a:lnL>
-                      <a:solidFill>
-                        <a:srgbClr val="9E9E9E"/>
-                      </a:solidFill>
-                      <a:round/>
-                    </a:lnL>
-                    <a:lnR>
-                      <a:solidFill>
-                        <a:srgbClr val="9E9E9E"/>
-                      </a:solidFill>
-                      <a:round/>
-                    </a:lnR>
-                    <a:lnT>
-                      <a:solidFill>
-                        <a:srgbClr val="9E9E9E"/>
-                      </a:solidFill>
-                      <a:round/>
-                    </a:lnT>
-                    <a:lnB>
-                      <a:solidFill>
-                        <a:srgbClr val="9E9E9E"/>
-                      </a:solidFill>
-                      <a:round/>
-                    </a:lnB>
-                    <a:noFill/>
-                  </a:tcPr>
-                </a:tc>
-                <a:tc rowSpan="3">
-                  <a:txBody>
-                    <a:bodyPr/>
-                    <a:lstStyle/>
-                    <a:p>
-                      <a:pPr lvl="0" algn="ctr">
-                        <a:defRPr b="0" i="0" sz="1800"/>
-                      </a:pPr>
-                      <a:r>
-                        <a:rPr sz="1500">
-                          <a:sym typeface="Helvetica"/>
-                        </a:rPr>
-                        <a:t>Numerical Python + Pandas</a:t>
-                      </a:r>
-                    </a:p>
-                  </a:txBody>
-                  <a:tcPr marL="91425" marR="91425" marT="91425" marB="91425" anchor="ctr" anchorCtr="0" horzOverflow="overflow">
-                    <a:lnL>
-                      <a:solidFill>
-                        <a:srgbClr val="9E9E9E"/>
-                      </a:solidFill>
-                      <a:round/>
-                    </a:lnL>
-                    <a:lnR>
-                      <a:solidFill>
-                        <a:srgbClr val="9E9E9E"/>
-                      </a:solidFill>
-                      <a:round/>
-                    </a:lnR>
-                    <a:lnT>
-                      <a:solidFill>
-                        <a:srgbClr val="9E9E9E"/>
-                      </a:solidFill>
-                      <a:round/>
-                    </a:lnT>
-                    <a:lnB>
-                      <a:solidFill>
-                        <a:srgbClr val="9E9E9E"/>
-                      </a:solidFill>
-                      <a:round/>
-                    </a:lnB>
-                    <a:noFill/>
-                  </a:tcPr>
-                </a:tc>
-              </a:tr>
-              <a:tr h="133000">
-                <a:tc>
-                  <a:txBody>
-                    <a:bodyPr/>
-                    <a:lstStyle/>
-                    <a:p>
-                      <a:pPr lvl="0" algn="ctr">
-                        <a:defRPr b="0" i="0" sz="1500">
-                          <a:sym typeface="Helvetica"/>
-                        </a:defRPr>
-                      </a:pPr>
-                    </a:p>
-                  </a:txBody>
-                  <a:tcPr marL="91425" marR="91425" marT="91425" marB="91425" anchor="ctr" anchorCtr="0" horzOverflow="overflow">
-                    <a:lnL>
-                      <a:solidFill>
-                        <a:srgbClr val="9E9E9E"/>
-                      </a:solidFill>
-                      <a:round/>
-                    </a:lnL>
-                    <a:lnR>
-                      <a:solidFill>
-                        <a:srgbClr val="9E9E9E"/>
-                      </a:solidFill>
-                      <a:round/>
-                    </a:lnR>
-                    <a:lnT>
-                      <a:solidFill>
-                        <a:srgbClr val="9E9E9E"/>
-                      </a:solidFill>
-                      <a:round/>
-                    </a:lnT>
-                    <a:lnB>
-                      <a:solidFill>
-                        <a:srgbClr val="9E9E9E"/>
-                      </a:solidFill>
-                      <a:round/>
-                    </a:lnB>
-                    <a:noFill/>
-                  </a:tcPr>
-                </a:tc>
-                <a:tc>
-                  <a:txBody>
-                    <a:bodyPr/>
-                    <a:lstStyle/>
-                    <a:p>
-                      <a:pPr lvl="0" algn="ctr">
-                        <a:defRPr b="0" i="0" sz="1800"/>
-                      </a:pPr>
-                      <a:r>
-                        <a:rPr sz="1500">
-                          <a:sym typeface="Helvetica"/>
-                        </a:rPr>
-                        <a:t/>
-                      </a:r>
-                    </a:p>
-                  </a:txBody>
-                  <a:tcPr marL="91425" marR="91425" marT="91425" marB="91425" anchor="ctr" anchorCtr="0" horzOverflow="overflow">
-                    <a:lnL>
-                      <a:solidFill>
-                        <a:srgbClr val="9E9E9E"/>
-                      </a:solidFill>
-                      <a:round/>
-                    </a:lnL>
-                    <a:lnR>
-                      <a:solidFill>
-                        <a:srgbClr val="9E9E9E"/>
-                      </a:solidFill>
-                      <a:round/>
-                    </a:lnR>
-                    <a:lnT>
-                      <a:solidFill>
-                        <a:srgbClr val="9E9E9E"/>
-                      </a:solidFill>
-                      <a:round/>
-                    </a:lnT>
-                    <a:lnB>
-                      <a:solidFill>
-                        <a:srgbClr val="9E9E9E"/>
-                      </a:solidFill>
-                      <a:round/>
-                    </a:lnB>
-                    <a:noFill/>
-                  </a:tcPr>
-                </a:tc>
-                <a:tc vMerge="1">
-                  <a:tcPr/>
-                </a:tc>
-              </a:tr>
-              <a:tr h="871408">
-                <a:tc>
-                  <a:txBody>
-                    <a:bodyPr/>
-                    <a:lstStyle/>
-                    <a:p>
-                      <a:pPr lvl="0" algn="ctr">
-                        <a:defRPr b="0" i="0" sz="1800"/>
-                      </a:pPr>
-                      <a:r>
-                        <a:rPr sz="1500">
-                          <a:sym typeface="Helvetica"/>
-                        </a:rPr>
-                        <a:t>Day 2 block B</a:t>
-                      </a:r>
-                    </a:p>
-                  </a:txBody>
-                  <a:tcPr marL="91425" marR="91425" marT="91425" marB="91425" anchor="ctr" anchorCtr="0" horzOverflow="overflow">
-                    <a:lnL>
-                      <a:solidFill>
-                        <a:srgbClr val="9E9E9E"/>
-                      </a:solidFill>
-                      <a:round/>
-                    </a:lnL>
-                    <a:lnR>
-                      <a:solidFill>
-                        <a:srgbClr val="9E9E9E"/>
-                      </a:solidFill>
-                      <a:round/>
-                    </a:lnR>
-                    <a:lnT>
-                      <a:solidFill>
-                        <a:srgbClr val="9E9E9E"/>
-                      </a:solidFill>
-                      <a:round/>
-                    </a:lnT>
-                    <a:lnB>
-                      <a:solidFill>
-                        <a:srgbClr val="9E9E9E"/>
-                      </a:solidFill>
-                      <a:round/>
-                    </a:lnB>
-                    <a:noFill/>
-                  </a:tcPr>
-                </a:tc>
-                <a:tc>
-                  <a:txBody>
-                    <a:bodyPr/>
-                    <a:lstStyle/>
-                    <a:p>
-                      <a:pPr lvl="0" algn="ctr">
-                        <a:defRPr b="0" i="0" sz="1800"/>
-                      </a:pPr>
-                      <a:r>
-                        <a:rPr sz="1333">
-                          <a:sym typeface="Helvetica"/>
-                        </a:rPr>
-                        <a:t>9:45-11:00</a:t>
-                      </a:r>
-                    </a:p>
-                  </a:txBody>
-                  <a:tcPr marL="91425" marR="91425" marT="91425" marB="91425" anchor="ctr" anchorCtr="0" horzOverflow="overflow">
-                    <a:lnL>
-                      <a:solidFill>
-                        <a:srgbClr val="9E9E9E"/>
-                      </a:solidFill>
-                      <a:round/>
-                    </a:lnL>
-                    <a:lnR>
-                      <a:solidFill>
-                        <a:srgbClr val="9E9E9E"/>
-                      </a:solidFill>
-                      <a:round/>
-                    </a:lnR>
-                    <a:lnT>
-                      <a:solidFill>
-                        <a:srgbClr val="9E9E9E"/>
-                      </a:solidFill>
-                      <a:round/>
-                    </a:lnT>
-                    <a:lnB>
-                      <a:solidFill>
-                        <a:srgbClr val="9E9E9E"/>
-                      </a:solidFill>
-                      <a:round/>
-                    </a:lnB>
-                    <a:noFill/>
-                  </a:tcPr>
-                </a:tc>
-                <a:tc vMerge="1">
-                  <a:tcPr/>
-                </a:tc>
-              </a:tr>
-            </a:tbl>
-          </a:graphicData>
-        </a:graphic>
-      </p:graphicFrame>
+        </p:nvPicPr>
+        <p:blipFill>
+          <a:blip r:embed="rId3">
+            <a:extLst/>
+          </a:blip>
+          <a:stretch>
+            <a:fillRect/>
+          </a:stretch>
+        </p:blipFill>
+        <p:spPr>
+          <a:xfrm>
+            <a:off x="1124037" y="1825625"/>
+            <a:ext cx="9943936" cy="4727577"/>
+          </a:xfrm>
+          <a:prstGeom prst="rect">
+            <a:avLst/>
+          </a:prstGeom>
+          <a:ln w="12700">
+            <a:miter lim="400000"/>
+          </a:ln>
+        </p:spPr>
+      </p:pic>
     </p:spTree>
   </p:cSld>
   <p:clrMapOvr>

--- a/slides.pptx
+++ b/slides.pptx
@@ -14660,13 +14660,13 @@
       </p:par>
     </p:tnLst>
     <p:bldLst>
-      <p:bldP build="whole" bldLvl="1" animBg="1" rev="0" advAuto="0" spid="185" grpId="4"/>
+      <p:bldP build="whole" bldLvl="1" animBg="1" rev="0" advAuto="0" spid="187" grpId="6"/>
       <p:bldP build="whole" bldLvl="1" animBg="1" rev="0" advAuto="0" spid="182" grpId="2"/>
-      <p:bldP build="whole" bldLvl="1" animBg="1" rev="0" advAuto="0" spid="183" grpId="1"/>
-      <p:bldP build="whole" bldLvl="1" animBg="1" rev="0" advAuto="0" spid="188" grpId="7"/>
-      <p:bldP build="whole" bldLvl="1" animBg="1" rev="0" advAuto="0" spid="187" grpId="6"/>
       <p:bldP build="whole" bldLvl="1" animBg="1" rev="0" advAuto="0" spid="186" grpId="5"/>
       <p:bldP build="whole" bldLvl="1" animBg="1" rev="0" advAuto="0" spid="184" grpId="3"/>
+      <p:bldP build="whole" bldLvl="1" animBg="1" rev="0" advAuto="0" spid="188" grpId="7"/>
+      <p:bldP build="whole" bldLvl="1" animBg="1" rev="0" advAuto="0" spid="185" grpId="4"/>
+      <p:bldP build="whole" bldLvl="1" animBg="1" rev="0" advAuto="0" spid="183" grpId="1"/>
     </p:bldLst>
   </p:timing>
 </p:sld>
@@ -15783,10 +15783,10 @@
       </p:par>
     </p:tnLst>
     <p:bldLst>
+      <p:bldP build="whole" bldLvl="1" animBg="1" rev="0" advAuto="0" spid="202" grpId="4"/>
+      <p:bldP build="whole" bldLvl="1" animBg="1" rev="0" advAuto="0" spid="201" grpId="3"/>
+      <p:bldP build="whole" bldLvl="1" animBg="1" rev="0" advAuto="0" spid="196" grpId="2"/>
       <p:bldP build="whole" bldLvl="1" animBg="1" rev="0" advAuto="0" spid="195" grpId="1"/>
-      <p:bldP build="whole" bldLvl="1" animBg="1" rev="0" advAuto="0" spid="201" grpId="3"/>
-      <p:bldP build="whole" bldLvl="1" animBg="1" rev="0" advAuto="0" spid="202" grpId="4"/>
-      <p:bldP build="whole" bldLvl="1" animBg="1" rev="0" advAuto="0" spid="196" grpId="2"/>
     </p:bldLst>
   </p:timing>
 </p:sld>
@@ -19026,15 +19026,15 @@
       </p:par>
     </p:tnLst>
     <p:bldLst>
+      <p:bldP build="whole" bldLvl="1" animBg="1" rev="0" advAuto="0" spid="213" grpId="3"/>
+      <p:bldP build="whole" bldLvl="1" animBg="1" rev="0" advAuto="0" spid="214" grpId="4"/>
+      <p:bldP build="whole" bldLvl="1" animBg="1" rev="0" advAuto="0" spid="219" grpId="9"/>
+      <p:bldP build="whole" bldLvl="1" animBg="1" rev="0" advAuto="0" spid="218" grpId="8"/>
+      <p:bldP build="whole" bldLvl="1" animBg="1" rev="0" advAuto="0" spid="206" grpId="1"/>
+      <p:bldP build="whole" bldLvl="1" animBg="1" rev="0" advAuto="0" spid="217" grpId="7"/>
+      <p:bldP build="whole" bldLvl="1" animBg="1" rev="0" advAuto="0" spid="216" grpId="6"/>
       <p:bldP build="whole" bldLvl="1" animBg="1" rev="0" advAuto="0" spid="215" grpId="5"/>
-      <p:bldP build="whole" bldLvl="1" animBg="1" rev="0" advAuto="0" spid="214" grpId="4"/>
-      <p:bldP build="whole" bldLvl="1" animBg="1" rev="0" advAuto="0" spid="216" grpId="6"/>
-      <p:bldP build="whole" bldLvl="1" animBg="1" rev="0" advAuto="0" spid="218" grpId="8"/>
       <p:bldP build="whole" bldLvl="1" animBg="1" rev="0" advAuto="0" spid="212" grpId="2"/>
-      <p:bldP build="whole" bldLvl="1" animBg="1" rev="0" advAuto="0" spid="206" grpId="1"/>
-      <p:bldP build="whole" bldLvl="1" animBg="1" rev="0" advAuto="0" spid="219" grpId="9"/>
-      <p:bldP build="whole" bldLvl="1" animBg="1" rev="0" advAuto="0" spid="217" grpId="7"/>
-      <p:bldP build="whole" bldLvl="1" animBg="1" rev="0" advAuto="0" spid="213" grpId="3"/>
     </p:bldLst>
   </p:timing>
 </p:sld>
@@ -24831,49 +24831,18 @@
               <a:defRPr sz="1800"/>
             </a:pPr>
             <a:r>
-              <a:rPr sz="1400">
-                <a:latin typeface="Courier"/>
-                <a:ea typeface="Courier"/>
-                <a:cs typeface="Courier"/>
-                <a:sym typeface="Courier"/>
+              <a:rPr u="sng">
+                <a:solidFill>
+                  <a:srgbClr val="0000FF"/>
+                </a:solidFill>
+                <a:uFill>
+                  <a:solidFill>
+                    <a:srgbClr val="0000FF"/>
+                  </a:solidFill>
+                </a:uFill>
                 <a:hlinkClick r:id="rId2" invalidUrl="" action="" tgtFrame="" tooltip="" history="1" highlightClick="0" endSnd="0"/>
               </a:rPr>
-              <a:t>lcambier@stanford.edu</a:t>
-            </a:r>
-            <a:endParaRPr>
-              <a:latin typeface="Courier"/>
-              <a:ea typeface="Courier"/>
-              <a:cs typeface="Courier"/>
-              <a:sym typeface="Courier"/>
-            </a:endParaRPr>
-          </a:p>
-          <a:p>
-            <a:pPr lvl="0" marL="0" indent="0" algn="ctr">
-              <a:buSzTx/>
-              <a:buNone/>
-              <a:defRPr sz="1800"/>
-            </a:pPr>
-            <a:endParaRPr>
-              <a:latin typeface="Courier"/>
-              <a:ea typeface="Courier"/>
-              <a:cs typeface="Courier"/>
-              <a:sym typeface="Courier"/>
-            </a:endParaRPr>
-          </a:p>
-          <a:p>
-            <a:pPr lvl="0" marL="0" indent="0" algn="ctr">
-              <a:buSzTx/>
-              <a:buNone/>
-              <a:defRPr sz="1800"/>
-            </a:pPr>
-            <a:r>
-              <a:rPr sz="1400">
-                <a:latin typeface="Courier"/>
-                <a:ea typeface="Courier"/>
-                <a:cs typeface="Courier"/>
-                <a:sym typeface="Courier"/>
-              </a:rPr>
-              <a:t>-&gt; Stanford Continued Education</a:t>
+              <a:t>santucci@stanford.edu</a:t>
             </a:r>
           </a:p>
         </p:txBody>

--- a/slides.pptx
+++ b/slides.pptx
@@ -3141,7 +3141,7 @@
         <p:spPr>
           <a:xfrm>
             <a:off x="3128774" y="920088"/>
-            <a:ext cx="5646658" cy="5017824"/>
+            <a:ext cx="4930457" cy="4381383"/>
           </a:xfrm>
           <a:prstGeom prst="rect">
             <a:avLst/>
@@ -3159,8 +3159,8 @@
         </p:nvSpPr>
         <p:spPr>
           <a:xfrm>
-            <a:off x="1942136" y="5631496"/>
-            <a:ext cx="6580527" cy="878208"/>
+            <a:off x="1959258" y="5047296"/>
+            <a:ext cx="7269489" cy="1610121"/>
           </a:xfrm>
           <a:prstGeom prst="rect">
             <a:avLst/>
@@ -3233,14 +3233,122 @@
               <a:t>	</a:t>
             </a:r>
             <a:r>
+              <a:rPr u="sng">
+                <a:solidFill>
+                  <a:srgbClr val="0000FF"/>
+                </a:solidFill>
+                <a:uFill>
+                  <a:solidFill>
+                    <a:srgbClr val="0000FF"/>
+                  </a:solidFill>
+                </a:uFill>
+                <a:latin typeface="Arial"/>
+                <a:ea typeface="Arial"/>
+                <a:cs typeface="Arial"/>
+                <a:sym typeface="Arial"/>
+                <a:hlinkClick r:id="rId3" invalidUrl="" action="" tgtFrame="" tooltip="" history="1" highlightClick="0" endSnd="0"/>
+              </a:rPr>
+              <a:t>github.com/asantucci/Python-Workshop/blob/main/slides.pptx</a:t>
+            </a:r>
+            <a:endParaRPr sz="1100">
+              <a:latin typeface="Courier"/>
+              <a:ea typeface="Courier"/>
+              <a:cs typeface="Courier"/>
+              <a:sym typeface="Courier"/>
+            </a:endParaRPr>
+          </a:p>
+          <a:p>
+            <a:pPr lvl="1" defTabSz="859536">
+              <a:lnSpc>
+                <a:spcPct val="80000"/>
+              </a:lnSpc>
+              <a:spcBef>
+                <a:spcPts val="400"/>
+              </a:spcBef>
+              <a:buClr>
+                <a:srgbClr val="000000"/>
+              </a:buClr>
+              <a:buFont typeface="Arial"/>
+              <a:defRPr sz="1800"/>
+            </a:pPr>
+            <a:r>
+              <a:rPr sz="1900">
+                <a:latin typeface="Arial Bold"/>
+                <a:ea typeface="Arial Bold"/>
+                <a:cs typeface="Arial Bold"/>
+                <a:sym typeface="Arial Bold"/>
+              </a:rPr>
+              <a:t>Code(s)</a:t>
+            </a:r>
+            <a:endParaRPr b="1" sz="1100">
+              <a:latin typeface="Courier"/>
+              <a:ea typeface="Courier"/>
+              <a:cs typeface="Courier"/>
+              <a:sym typeface="Courier"/>
+            </a:endParaRPr>
+          </a:p>
+          <a:p>
+            <a:pPr lvl="1" defTabSz="859536">
+              <a:lnSpc>
+                <a:spcPct val="80000"/>
+              </a:lnSpc>
+              <a:spcBef>
+                <a:spcPts val="400"/>
+              </a:spcBef>
+              <a:buClr>
+                <a:srgbClr val="000000"/>
+              </a:buClr>
+              <a:buFont typeface="Arial"/>
+              <a:defRPr sz="1800"/>
+            </a:pPr>
+            <a:r>
               <a:rPr sz="1100">
                 <a:latin typeface="Courier"/>
                 <a:ea typeface="Courier"/>
                 <a:cs typeface="Courier"/>
                 <a:sym typeface="Courier"/>
               </a:rPr>
-              <a:t>https://github.com/asantucci/Python-Workshop/blob/main/slides.pptx</a:t>
-            </a:r>
+              <a:t>	</a:t>
+            </a:r>
+            <a:r>
+              <a:rPr u="sng">
+                <a:solidFill>
+                  <a:srgbClr val="0000FF"/>
+                </a:solidFill>
+                <a:uFill>
+                  <a:solidFill>
+                    <a:srgbClr val="0000FF"/>
+                  </a:solidFill>
+                </a:uFill>
+                <a:latin typeface="Arial"/>
+                <a:ea typeface="Arial"/>
+                <a:cs typeface="Arial"/>
+                <a:sym typeface="Arial"/>
+                <a:hlinkClick r:id="rId4" invalidUrl="" action="" tgtFrame="" tooltip="" history="1" highlightClick="0" endSnd="0"/>
+              </a:rPr>
+              <a:t>github.com/asantucci/Python-Workshop</a:t>
+            </a:r>
+            <a:endParaRPr sz="1100">
+              <a:latin typeface="Courier"/>
+              <a:ea typeface="Courier"/>
+              <a:cs typeface="Courier"/>
+              <a:sym typeface="Courier"/>
+            </a:endParaRPr>
+          </a:p>
+          <a:p>
+            <a:pPr lvl="1" defTabSz="859536">
+              <a:lnSpc>
+                <a:spcPct val="80000"/>
+              </a:lnSpc>
+              <a:spcBef>
+                <a:spcPts val="400"/>
+              </a:spcBef>
+              <a:buClr>
+                <a:srgbClr val="000000"/>
+              </a:buClr>
+              <a:buFont typeface="Arial"/>
+              <a:defRPr sz="1800"/>
+            </a:pPr>
             <a:endParaRPr sz="1100">
               <a:latin typeface="Courier"/>
               <a:ea typeface="Courier"/>
@@ -3257,7 +3365,7 @@
           <p:nvPr/>
         </p:nvPicPr>
         <p:blipFill>
-          <a:blip r:embed="rId3">
+          <a:blip r:embed="rId5">
             <a:extLst/>
           </a:blip>
           <a:stretch>
@@ -12981,11 +13089,11 @@
     <p:bldLst>
       <p:bldP build="whole" bldLvl="1" animBg="1" rev="0" advAuto="0" spid="165" grpId="5"/>
       <p:bldP build="whole" bldLvl="1" animBg="1" rev="0" advAuto="0" spid="163" grpId="3"/>
+      <p:bldP build="whole" bldLvl="1" animBg="1" rev="0" advAuto="0" spid="166" grpId="6"/>
+      <p:bldP build="whole" bldLvl="1" animBg="1" rev="0" advAuto="0" spid="161" grpId="2"/>
+      <p:bldP build="whole" bldLvl="1" animBg="1" rev="0" advAuto="0" spid="162" grpId="1"/>
+      <p:bldP build="whole" bldLvl="1" animBg="1" rev="0" advAuto="0" spid="167" grpId="7"/>
       <p:bldP build="whole" bldLvl="1" animBg="1" rev="0" advAuto="0" spid="164" grpId="4"/>
-      <p:bldP build="whole" bldLvl="1" animBg="1" rev="0" advAuto="0" spid="161" grpId="2"/>
-      <p:bldP build="whole" bldLvl="1" animBg="1" rev="0" advAuto="0" spid="166" grpId="6"/>
-      <p:bldP build="whole" bldLvl="1" animBg="1" rev="0" advAuto="0" spid="167" grpId="7"/>
-      <p:bldP build="whole" bldLvl="1" animBg="1" rev="0" advAuto="0" spid="162" grpId="1"/>
     </p:bldLst>
   </p:timing>
 </p:sld>
@@ -14318,10 +14426,10 @@
       </p:par>
     </p:tnLst>
     <p:bldLst>
+      <p:bldP build="whole" bldLvl="1" animBg="1" rev="0" advAuto="0" spid="181" grpId="4"/>
       <p:bldP build="whole" bldLvl="1" animBg="1" rev="0" advAuto="0" spid="175" grpId="2"/>
-      <p:bldP build="whole" bldLvl="1" animBg="1" rev="0" advAuto="0" spid="181" grpId="4"/>
+      <p:bldP build="whole" bldLvl="1" animBg="1" rev="0" advAuto="0" spid="174" grpId="1"/>
       <p:bldP build="whole" bldLvl="1" animBg="1" rev="0" advAuto="0" spid="180" grpId="3"/>
-      <p:bldP build="whole" bldLvl="1" animBg="1" rev="0" advAuto="0" spid="174" grpId="1"/>
     </p:bldLst>
   </p:timing>
 </p:sld>
@@ -17606,15 +17714,15 @@
       </p:par>
     </p:tnLst>
     <p:bldLst>
+      <p:bldP build="whole" bldLvl="1" animBg="1" rev="0" advAuto="0" spid="195" grpId="6"/>
+      <p:bldP build="whole" bldLvl="1" animBg="1" rev="0" advAuto="0" spid="194" grpId="5"/>
+      <p:bldP build="whole" bldLvl="1" animBg="1" rev="0" advAuto="0" spid="185" grpId="1"/>
+      <p:bldP build="whole" bldLvl="1" animBg="1" rev="0" advAuto="0" spid="193" grpId="4"/>
+      <p:bldP build="whole" bldLvl="1" animBg="1" rev="0" advAuto="0" spid="192" grpId="3"/>
       <p:bldP build="whole" bldLvl="1" animBg="1" rev="0" advAuto="0" spid="196" grpId="7"/>
       <p:bldP build="whole" bldLvl="1" animBg="1" rev="0" advAuto="0" spid="197" grpId="8"/>
       <p:bldP build="whole" bldLvl="1" animBg="1" rev="0" advAuto="0" spid="198" grpId="9"/>
-      <p:bldP build="whole" bldLvl="1" animBg="1" rev="0" advAuto="0" spid="195" grpId="6"/>
       <p:bldP build="whole" bldLvl="1" animBg="1" rev="0" advAuto="0" spid="191" grpId="2"/>
-      <p:bldP build="whole" bldLvl="1" animBg="1" rev="0" advAuto="0" spid="193" grpId="4"/>
-      <p:bldP build="whole" bldLvl="1" animBg="1" rev="0" advAuto="0" spid="185" grpId="1"/>
-      <p:bldP build="whole" bldLvl="1" animBg="1" rev="0" advAuto="0" spid="192" grpId="3"/>
-      <p:bldP build="whole" bldLvl="1" animBg="1" rev="0" advAuto="0" spid="194" grpId="5"/>
     </p:bldLst>
   </p:timing>
 </p:sld>
